--- a/14_big_data/05-Duragan-Veri-Analizi/05_spak_machine_learning/02_apache_spark_ml_kütüphanesi_tanıtım.pptx
+++ b/14_big_data/05-Duragan-Veri-Analizi/05_spak_machine_learning/02_apache_spark_ml_kütüphanesi_tanıtım.pptx
@@ -131,6 +131,166 @@
 </p:presentation>
 </file>
 
+<file path=ppt/changesInfos/changesInfo1.xml><?xml version="1.0" encoding="utf-8"?>
+<pc:chgInfo xmlns:a="http://schemas.openxmlformats.org/drawingml/2006/main" xmlns:r="http://schemas.openxmlformats.org/officeDocument/2006/relationships" xmlns:ac="http://schemas.microsoft.com/office/drawing/2013/main/command" xmlns:pc="http://schemas.microsoft.com/office/powerpoint/2013/main/command">
+  <pc:docChgLst>
+    <pc:chgData name="Erkan ŞİRİN" userId="7f10ce1d6aaf8c5d" providerId="LiveId" clId="{74E5C25F-4274-4ECD-A4DD-8B386776A3B4}"/>
+    <pc:docChg chg="custSel modSld">
+      <pc:chgData name="Erkan ŞİRİN" userId="7f10ce1d6aaf8c5d" providerId="LiveId" clId="{74E5C25F-4274-4ECD-A4DD-8B386776A3B4}" dt="2019-07-23T20:55:23.004" v="9" actId="478"/>
+      <pc:docMkLst>
+        <pc:docMk/>
+      </pc:docMkLst>
+      <pc:sldChg chg="delSp">
+        <pc:chgData name="Erkan ŞİRİN" userId="7f10ce1d6aaf8c5d" providerId="LiveId" clId="{74E5C25F-4274-4ECD-A4DD-8B386776A3B4}" dt="2019-07-23T20:54:22.927" v="0" actId="478"/>
+        <pc:sldMkLst>
+          <pc:docMk/>
+          <pc:sldMk cId="1416118015" sldId="257"/>
+        </pc:sldMkLst>
+        <pc:grpChg chg="del">
+          <ac:chgData name="Erkan ŞİRİN" userId="7f10ce1d6aaf8c5d" providerId="LiveId" clId="{74E5C25F-4274-4ECD-A4DD-8B386776A3B4}" dt="2019-07-23T20:54:22.927" v="0" actId="478"/>
+          <ac:grpSpMkLst>
+            <pc:docMk/>
+            <pc:sldMk cId="1416118015" sldId="257"/>
+            <ac:grpSpMk id="11" creationId="{00000000-0000-0000-0000-000000000000}"/>
+          </ac:grpSpMkLst>
+        </pc:grpChg>
+        <pc:grpChg chg="del">
+          <ac:chgData name="Erkan ŞİRİN" userId="7f10ce1d6aaf8c5d" providerId="LiveId" clId="{74E5C25F-4274-4ECD-A4DD-8B386776A3B4}" dt="2019-07-23T20:54:22.927" v="0" actId="478"/>
+          <ac:grpSpMkLst>
+            <pc:docMk/>
+            <pc:sldMk cId="1416118015" sldId="257"/>
+            <ac:grpSpMk id="15" creationId="{00000000-0000-0000-0000-000000000000}"/>
+          </ac:grpSpMkLst>
+        </pc:grpChg>
+      </pc:sldChg>
+      <pc:sldChg chg="delSp">
+        <pc:chgData name="Erkan ŞİRİN" userId="7f10ce1d6aaf8c5d" providerId="LiveId" clId="{74E5C25F-4274-4ECD-A4DD-8B386776A3B4}" dt="2019-07-23T20:55:11.289" v="7" actId="478"/>
+        <pc:sldMkLst>
+          <pc:docMk/>
+          <pc:sldMk cId="982979241" sldId="266"/>
+        </pc:sldMkLst>
+        <pc:grpChg chg="del">
+          <ac:chgData name="Erkan ŞİRİN" userId="7f10ce1d6aaf8c5d" providerId="LiveId" clId="{74E5C25F-4274-4ECD-A4DD-8B386776A3B4}" dt="2019-07-23T20:55:11.289" v="7" actId="478"/>
+          <ac:grpSpMkLst>
+            <pc:docMk/>
+            <pc:sldMk cId="982979241" sldId="266"/>
+            <ac:grpSpMk id="11" creationId="{00000000-0000-0000-0000-000000000000}"/>
+          </ac:grpSpMkLst>
+        </pc:grpChg>
+        <pc:grpChg chg="del">
+          <ac:chgData name="Erkan ŞİRİN" userId="7f10ce1d6aaf8c5d" providerId="LiveId" clId="{74E5C25F-4274-4ECD-A4DD-8B386776A3B4}" dt="2019-07-23T20:55:11.289" v="7" actId="478"/>
+          <ac:grpSpMkLst>
+            <pc:docMk/>
+            <pc:sldMk cId="982979241" sldId="266"/>
+            <ac:grpSpMk id="15" creationId="{00000000-0000-0000-0000-000000000000}"/>
+          </ac:grpSpMkLst>
+        </pc:grpChg>
+      </pc:sldChg>
+      <pc:sldChg chg="delSp">
+        <pc:chgData name="Erkan ŞİRİN" userId="7f10ce1d6aaf8c5d" providerId="LiveId" clId="{74E5C25F-4274-4ECD-A4DD-8B386776A3B4}" dt="2019-07-23T20:55:17.368" v="8" actId="478"/>
+        <pc:sldMkLst>
+          <pc:docMk/>
+          <pc:sldMk cId="3172400932" sldId="267"/>
+        </pc:sldMkLst>
+        <pc:grpChg chg="del">
+          <ac:chgData name="Erkan ŞİRİN" userId="7f10ce1d6aaf8c5d" providerId="LiveId" clId="{74E5C25F-4274-4ECD-A4DD-8B386776A3B4}" dt="2019-07-23T20:55:17.368" v="8" actId="478"/>
+          <ac:grpSpMkLst>
+            <pc:docMk/>
+            <pc:sldMk cId="3172400932" sldId="267"/>
+            <ac:grpSpMk id="11" creationId="{00000000-0000-0000-0000-000000000000}"/>
+          </ac:grpSpMkLst>
+        </pc:grpChg>
+        <pc:grpChg chg="del">
+          <ac:chgData name="Erkan ŞİRİN" userId="7f10ce1d6aaf8c5d" providerId="LiveId" clId="{74E5C25F-4274-4ECD-A4DD-8B386776A3B4}" dt="2019-07-23T20:55:17.368" v="8" actId="478"/>
+          <ac:grpSpMkLst>
+            <pc:docMk/>
+            <pc:sldMk cId="3172400932" sldId="267"/>
+            <ac:grpSpMk id="15" creationId="{00000000-0000-0000-0000-000000000000}"/>
+          </ac:grpSpMkLst>
+        </pc:grpChg>
+      </pc:sldChg>
+      <pc:sldChg chg="delSp modSp">
+        <pc:chgData name="Erkan ŞİRİN" userId="7f10ce1d6aaf8c5d" providerId="LiveId" clId="{74E5C25F-4274-4ECD-A4DD-8B386776A3B4}" dt="2019-07-23T20:55:05.837" v="6" actId="1076"/>
+        <pc:sldMkLst>
+          <pc:docMk/>
+          <pc:sldMk cId="652808650" sldId="268"/>
+        </pc:sldMkLst>
+        <pc:spChg chg="mod">
+          <ac:chgData name="Erkan ŞİRİN" userId="7f10ce1d6aaf8c5d" providerId="LiveId" clId="{74E5C25F-4274-4ECD-A4DD-8B386776A3B4}" dt="2019-07-23T20:55:05.837" v="6" actId="1076"/>
+          <ac:spMkLst>
+            <pc:docMk/>
+            <pc:sldMk cId="652808650" sldId="268"/>
+            <ac:spMk id="16" creationId="{00000000-0000-0000-0000-000000000000}"/>
+          </ac:spMkLst>
+        </pc:spChg>
+        <pc:grpChg chg="del">
+          <ac:chgData name="Erkan ŞİRİN" userId="7f10ce1d6aaf8c5d" providerId="LiveId" clId="{74E5C25F-4274-4ECD-A4DD-8B386776A3B4}" dt="2019-07-23T20:54:38.408" v="2" actId="478"/>
+          <ac:grpSpMkLst>
+            <pc:docMk/>
+            <pc:sldMk cId="652808650" sldId="268"/>
+            <ac:grpSpMk id="11" creationId="{00000000-0000-0000-0000-000000000000}"/>
+          </ac:grpSpMkLst>
+        </pc:grpChg>
+        <pc:grpChg chg="del">
+          <ac:chgData name="Erkan ŞİRİN" userId="7f10ce1d6aaf8c5d" providerId="LiveId" clId="{74E5C25F-4274-4ECD-A4DD-8B386776A3B4}" dt="2019-07-23T20:54:38.408" v="2" actId="478"/>
+          <ac:grpSpMkLst>
+            <pc:docMk/>
+            <pc:sldMk cId="652808650" sldId="268"/>
+            <ac:grpSpMk id="15" creationId="{00000000-0000-0000-0000-000000000000}"/>
+          </ac:grpSpMkLst>
+        </pc:grpChg>
+      </pc:sldChg>
+      <pc:sldChg chg="delSp">
+        <pc:chgData name="Erkan ŞİRİN" userId="7f10ce1d6aaf8c5d" providerId="LiveId" clId="{74E5C25F-4274-4ECD-A4DD-8B386776A3B4}" dt="2019-07-23T20:54:30.348" v="1" actId="478"/>
+        <pc:sldMkLst>
+          <pc:docMk/>
+          <pc:sldMk cId="3662012696" sldId="270"/>
+        </pc:sldMkLst>
+        <pc:grpChg chg="del">
+          <ac:chgData name="Erkan ŞİRİN" userId="7f10ce1d6aaf8c5d" providerId="LiveId" clId="{74E5C25F-4274-4ECD-A4DD-8B386776A3B4}" dt="2019-07-23T20:54:30.348" v="1" actId="478"/>
+          <ac:grpSpMkLst>
+            <pc:docMk/>
+            <pc:sldMk cId="3662012696" sldId="270"/>
+            <ac:grpSpMk id="11" creationId="{00000000-0000-0000-0000-000000000000}"/>
+          </ac:grpSpMkLst>
+        </pc:grpChg>
+        <pc:grpChg chg="del">
+          <ac:chgData name="Erkan ŞİRİN" userId="7f10ce1d6aaf8c5d" providerId="LiveId" clId="{74E5C25F-4274-4ECD-A4DD-8B386776A3B4}" dt="2019-07-23T20:54:30.348" v="1" actId="478"/>
+          <ac:grpSpMkLst>
+            <pc:docMk/>
+            <pc:sldMk cId="3662012696" sldId="270"/>
+            <ac:grpSpMk id="15" creationId="{00000000-0000-0000-0000-000000000000}"/>
+          </ac:grpSpMkLst>
+        </pc:grpChg>
+      </pc:sldChg>
+      <pc:sldChg chg="delSp">
+        <pc:chgData name="Erkan ŞİRİN" userId="7f10ce1d6aaf8c5d" providerId="LiveId" clId="{74E5C25F-4274-4ECD-A4DD-8B386776A3B4}" dt="2019-07-23T20:55:23.004" v="9" actId="478"/>
+        <pc:sldMkLst>
+          <pc:docMk/>
+          <pc:sldMk cId="221195338" sldId="271"/>
+        </pc:sldMkLst>
+        <pc:grpChg chg="del">
+          <ac:chgData name="Erkan ŞİRİN" userId="7f10ce1d6aaf8c5d" providerId="LiveId" clId="{74E5C25F-4274-4ECD-A4DD-8B386776A3B4}" dt="2019-07-23T20:55:23.004" v="9" actId="478"/>
+          <ac:grpSpMkLst>
+            <pc:docMk/>
+            <pc:sldMk cId="221195338" sldId="271"/>
+            <ac:grpSpMk id="11" creationId="{00000000-0000-0000-0000-000000000000}"/>
+          </ac:grpSpMkLst>
+        </pc:grpChg>
+        <pc:grpChg chg="del">
+          <ac:chgData name="Erkan ŞİRİN" userId="7f10ce1d6aaf8c5d" providerId="LiveId" clId="{74E5C25F-4274-4ECD-A4DD-8B386776A3B4}" dt="2019-07-23T20:55:23.004" v="9" actId="478"/>
+          <ac:grpSpMkLst>
+            <pc:docMk/>
+            <pc:sldMk cId="221195338" sldId="271"/>
+            <ac:grpSpMk id="15" creationId="{00000000-0000-0000-0000-000000000000}"/>
+          </ac:grpSpMkLst>
+        </pc:grpChg>
+      </pc:sldChg>
+    </pc:docChg>
+  </pc:docChgLst>
+</pc:chgInfo>
+</file>
+
 <file path=ppt/notesMasters/notesMaster1.xml><?xml version="1.0" encoding="utf-8"?>
 <p:notesMaster xmlns:a="http://schemas.openxmlformats.org/drawingml/2006/main" xmlns:r="http://schemas.openxmlformats.org/officeDocument/2006/relationships" xmlns:p="http://schemas.openxmlformats.org/presentationml/2006/main">
   <p:cSld>
@@ -213,7 +373,7 @@
           <a:p>
             <a:fld id="{6F77F576-AE14-466D-AA6B-335273622B21}" type="datetimeFigureOut">
               <a:rPr lang="en-US" smtClean="0"/>
-              <a:t>4/7/2018</a:t>
+              <a:t>7/23/2019</a:t>
             </a:fld>
             <a:endParaRPr lang="en-US"/>
           </a:p>
@@ -277,35 +437,35 @@
           <a:p>
             <a:pPr lvl="0"/>
             <a:r>
-              <a:rPr lang="tr-TR" smtClean="0"/>
+              <a:rPr lang="tr-TR"/>
               <a:t>Asıl metin stillerini düzenlemek için tıklatın</a:t>
             </a:r>
           </a:p>
           <a:p>
             <a:pPr lvl="1"/>
             <a:r>
-              <a:rPr lang="tr-TR" smtClean="0"/>
+              <a:rPr lang="tr-TR"/>
               <a:t>İkinci düzey</a:t>
             </a:r>
           </a:p>
           <a:p>
             <a:pPr lvl="2"/>
             <a:r>
-              <a:rPr lang="tr-TR" smtClean="0"/>
+              <a:rPr lang="tr-TR"/>
               <a:t>Üçüncü düzey</a:t>
             </a:r>
           </a:p>
           <a:p>
             <a:pPr lvl="3"/>
             <a:r>
-              <a:rPr lang="tr-TR" smtClean="0"/>
+              <a:rPr lang="tr-TR"/>
               <a:t>Dördüncü düzey</a:t>
             </a:r>
           </a:p>
           <a:p>
             <a:pPr lvl="4"/>
             <a:r>
-              <a:rPr lang="tr-TR" smtClean="0"/>
+              <a:rPr lang="tr-TR"/>
               <a:t>Beşinci düzey</a:t>
             </a:r>
             <a:endParaRPr lang="en-US"/>
@@ -523,7 +683,7 @@
           </a:lstStyle>
           <a:p>
             <a:r>
-              <a:rPr lang="tr-TR" smtClean="0"/>
+              <a:rPr lang="tr-TR"/>
               <a:t>Asıl başlık stili için tıklatın</a:t>
             </a:r>
             <a:endParaRPr lang="en-US"/>
@@ -588,7 +748,7 @@
           </a:lstStyle>
           <a:p>
             <a:r>
-              <a:rPr lang="tr-TR" smtClean="0"/>
+              <a:rPr lang="tr-TR"/>
               <a:t>Asıl alt başlık stilini düzenlemek için tıklatın</a:t>
             </a:r>
             <a:endParaRPr lang="en-US"/>
@@ -612,7 +772,7 @@
           <a:p>
             <a:fld id="{54AA066D-271F-4C1A-B89A-0705A7689EE9}" type="datetimeFigureOut">
               <a:rPr lang="en-US" smtClean="0"/>
-              <a:t>4/7/2018</a:t>
+              <a:t>7/23/2019</a:t>
             </a:fld>
             <a:endParaRPr lang="en-US"/>
           </a:p>
@@ -706,7 +866,7 @@
           <a:lstStyle/>
           <a:p>
             <a:r>
-              <a:rPr lang="tr-TR" smtClean="0"/>
+              <a:rPr lang="tr-TR"/>
               <a:t>Asıl başlık stili için tıklatın</a:t>
             </a:r>
             <a:endParaRPr lang="en-US"/>
@@ -730,35 +890,35 @@
           <a:p>
             <a:pPr lvl="0"/>
             <a:r>
-              <a:rPr lang="tr-TR" smtClean="0"/>
+              <a:rPr lang="tr-TR"/>
               <a:t>Asıl metin stillerini düzenlemek için tıklatın</a:t>
             </a:r>
           </a:p>
           <a:p>
             <a:pPr lvl="1"/>
             <a:r>
-              <a:rPr lang="tr-TR" smtClean="0"/>
+              <a:rPr lang="tr-TR"/>
               <a:t>İkinci düzey</a:t>
             </a:r>
           </a:p>
           <a:p>
             <a:pPr lvl="2"/>
             <a:r>
-              <a:rPr lang="tr-TR" smtClean="0"/>
+              <a:rPr lang="tr-TR"/>
               <a:t>Üçüncü düzey</a:t>
             </a:r>
           </a:p>
           <a:p>
             <a:pPr lvl="3"/>
             <a:r>
-              <a:rPr lang="tr-TR" smtClean="0"/>
+              <a:rPr lang="tr-TR"/>
               <a:t>Dördüncü düzey</a:t>
             </a:r>
           </a:p>
           <a:p>
             <a:pPr lvl="4"/>
             <a:r>
-              <a:rPr lang="tr-TR" smtClean="0"/>
+              <a:rPr lang="tr-TR"/>
               <a:t>Beşinci düzey</a:t>
             </a:r>
             <a:endParaRPr lang="en-US"/>
@@ -782,7 +942,7 @@
           <a:p>
             <a:fld id="{54AA066D-271F-4C1A-B89A-0705A7689EE9}" type="datetimeFigureOut">
               <a:rPr lang="en-US" smtClean="0"/>
-              <a:t>4/7/2018</a:t>
+              <a:t>7/23/2019</a:t>
             </a:fld>
             <a:endParaRPr lang="en-US"/>
           </a:p>
@@ -881,7 +1041,7 @@
           <a:lstStyle/>
           <a:p>
             <a:r>
-              <a:rPr lang="tr-TR" smtClean="0"/>
+              <a:rPr lang="tr-TR"/>
               <a:t>Asıl başlık stili için tıklatın</a:t>
             </a:r>
             <a:endParaRPr lang="en-US"/>
@@ -910,35 +1070,35 @@
           <a:p>
             <a:pPr lvl="0"/>
             <a:r>
-              <a:rPr lang="tr-TR" smtClean="0"/>
+              <a:rPr lang="tr-TR"/>
               <a:t>Asıl metin stillerini düzenlemek için tıklatın</a:t>
             </a:r>
           </a:p>
           <a:p>
             <a:pPr lvl="1"/>
             <a:r>
-              <a:rPr lang="tr-TR" smtClean="0"/>
+              <a:rPr lang="tr-TR"/>
               <a:t>İkinci düzey</a:t>
             </a:r>
           </a:p>
           <a:p>
             <a:pPr lvl="2"/>
             <a:r>
-              <a:rPr lang="tr-TR" smtClean="0"/>
+              <a:rPr lang="tr-TR"/>
               <a:t>Üçüncü düzey</a:t>
             </a:r>
           </a:p>
           <a:p>
             <a:pPr lvl="3"/>
             <a:r>
-              <a:rPr lang="tr-TR" smtClean="0"/>
+              <a:rPr lang="tr-TR"/>
               <a:t>Dördüncü düzey</a:t>
             </a:r>
           </a:p>
           <a:p>
             <a:pPr lvl="4"/>
             <a:r>
-              <a:rPr lang="tr-TR" smtClean="0"/>
+              <a:rPr lang="tr-TR"/>
               <a:t>Beşinci düzey</a:t>
             </a:r>
             <a:endParaRPr lang="en-US"/>
@@ -962,7 +1122,7 @@
           <a:p>
             <a:fld id="{54AA066D-271F-4C1A-B89A-0705A7689EE9}" type="datetimeFigureOut">
               <a:rPr lang="en-US" smtClean="0"/>
-              <a:t>4/7/2018</a:t>
+              <a:t>7/23/2019</a:t>
             </a:fld>
             <a:endParaRPr lang="en-US"/>
           </a:p>
@@ -1056,7 +1216,7 @@
           <a:lstStyle/>
           <a:p>
             <a:r>
-              <a:rPr lang="tr-TR" smtClean="0"/>
+              <a:rPr lang="tr-TR"/>
               <a:t>Asıl başlık stili için tıklatın</a:t>
             </a:r>
             <a:endParaRPr lang="en-US"/>
@@ -1080,35 +1240,35 @@
           <a:p>
             <a:pPr lvl="0"/>
             <a:r>
-              <a:rPr lang="tr-TR" smtClean="0"/>
+              <a:rPr lang="tr-TR"/>
               <a:t>Asıl metin stillerini düzenlemek için tıklatın</a:t>
             </a:r>
           </a:p>
           <a:p>
             <a:pPr lvl="1"/>
             <a:r>
-              <a:rPr lang="tr-TR" smtClean="0"/>
+              <a:rPr lang="tr-TR"/>
               <a:t>İkinci düzey</a:t>
             </a:r>
           </a:p>
           <a:p>
             <a:pPr lvl="2"/>
             <a:r>
-              <a:rPr lang="tr-TR" smtClean="0"/>
+              <a:rPr lang="tr-TR"/>
               <a:t>Üçüncü düzey</a:t>
             </a:r>
           </a:p>
           <a:p>
             <a:pPr lvl="3"/>
             <a:r>
-              <a:rPr lang="tr-TR" smtClean="0"/>
+              <a:rPr lang="tr-TR"/>
               <a:t>Dördüncü düzey</a:t>
             </a:r>
           </a:p>
           <a:p>
             <a:pPr lvl="4"/>
             <a:r>
-              <a:rPr lang="tr-TR" smtClean="0"/>
+              <a:rPr lang="tr-TR"/>
               <a:t>Beşinci düzey</a:t>
             </a:r>
             <a:endParaRPr lang="en-US"/>
@@ -1132,7 +1292,7 @@
           <a:p>
             <a:fld id="{54AA066D-271F-4C1A-B89A-0705A7689EE9}" type="datetimeFigureOut">
               <a:rPr lang="en-US" smtClean="0"/>
-              <a:t>4/7/2018</a:t>
+              <a:t>7/23/2019</a:t>
             </a:fld>
             <a:endParaRPr lang="en-US"/>
           </a:p>
@@ -1235,7 +1395,7 @@
           </a:lstStyle>
           <a:p>
             <a:r>
-              <a:rPr lang="tr-TR" smtClean="0"/>
+              <a:rPr lang="tr-TR"/>
               <a:t>Asıl başlık stili için tıklatın</a:t>
             </a:r>
             <a:endParaRPr lang="en-US"/>
@@ -1355,7 +1515,7 @@
           <a:p>
             <a:pPr lvl="0"/>
             <a:r>
-              <a:rPr lang="tr-TR" smtClean="0"/>
+              <a:rPr lang="tr-TR"/>
               <a:t>Asıl metin stillerini düzenlemek için tıklatın</a:t>
             </a:r>
           </a:p>
@@ -1378,7 +1538,7 @@
           <a:p>
             <a:fld id="{54AA066D-271F-4C1A-B89A-0705A7689EE9}" type="datetimeFigureOut">
               <a:rPr lang="en-US" smtClean="0"/>
-              <a:t>4/7/2018</a:t>
+              <a:t>7/23/2019</a:t>
             </a:fld>
             <a:endParaRPr lang="en-US"/>
           </a:p>
@@ -1472,7 +1632,7 @@
           <a:lstStyle/>
           <a:p>
             <a:r>
-              <a:rPr lang="tr-TR" smtClean="0"/>
+              <a:rPr lang="tr-TR"/>
               <a:t>Asıl başlık stili için tıklatın</a:t>
             </a:r>
             <a:endParaRPr lang="en-US"/>
@@ -1501,35 +1661,35 @@
           <a:p>
             <a:pPr lvl="0"/>
             <a:r>
-              <a:rPr lang="tr-TR" smtClean="0"/>
+              <a:rPr lang="tr-TR"/>
               <a:t>Asıl metin stillerini düzenlemek için tıklatın</a:t>
             </a:r>
           </a:p>
           <a:p>
             <a:pPr lvl="1"/>
             <a:r>
-              <a:rPr lang="tr-TR" smtClean="0"/>
+              <a:rPr lang="tr-TR"/>
               <a:t>İkinci düzey</a:t>
             </a:r>
           </a:p>
           <a:p>
             <a:pPr lvl="2"/>
             <a:r>
-              <a:rPr lang="tr-TR" smtClean="0"/>
+              <a:rPr lang="tr-TR"/>
               <a:t>Üçüncü düzey</a:t>
             </a:r>
           </a:p>
           <a:p>
             <a:pPr lvl="3"/>
             <a:r>
-              <a:rPr lang="tr-TR" smtClean="0"/>
+              <a:rPr lang="tr-TR"/>
               <a:t>Dördüncü düzey</a:t>
             </a:r>
           </a:p>
           <a:p>
             <a:pPr lvl="4"/>
             <a:r>
-              <a:rPr lang="tr-TR" smtClean="0"/>
+              <a:rPr lang="tr-TR"/>
               <a:t>Beşinci düzey</a:t>
             </a:r>
             <a:endParaRPr lang="en-US"/>
@@ -1558,35 +1718,35 @@
           <a:p>
             <a:pPr lvl="0"/>
             <a:r>
-              <a:rPr lang="tr-TR" smtClean="0"/>
+              <a:rPr lang="tr-TR"/>
               <a:t>Asıl metin stillerini düzenlemek için tıklatın</a:t>
             </a:r>
           </a:p>
           <a:p>
             <a:pPr lvl="1"/>
             <a:r>
-              <a:rPr lang="tr-TR" smtClean="0"/>
+              <a:rPr lang="tr-TR"/>
               <a:t>İkinci düzey</a:t>
             </a:r>
           </a:p>
           <a:p>
             <a:pPr lvl="2"/>
             <a:r>
-              <a:rPr lang="tr-TR" smtClean="0"/>
+              <a:rPr lang="tr-TR"/>
               <a:t>Üçüncü düzey</a:t>
             </a:r>
           </a:p>
           <a:p>
             <a:pPr lvl="3"/>
             <a:r>
-              <a:rPr lang="tr-TR" smtClean="0"/>
+              <a:rPr lang="tr-TR"/>
               <a:t>Dördüncü düzey</a:t>
             </a:r>
           </a:p>
           <a:p>
             <a:pPr lvl="4"/>
             <a:r>
-              <a:rPr lang="tr-TR" smtClean="0"/>
+              <a:rPr lang="tr-TR"/>
               <a:t>Beşinci düzey</a:t>
             </a:r>
             <a:endParaRPr lang="en-US"/>
@@ -1610,7 +1770,7 @@
           <a:p>
             <a:fld id="{54AA066D-271F-4C1A-B89A-0705A7689EE9}" type="datetimeFigureOut">
               <a:rPr lang="en-US" smtClean="0"/>
-              <a:t>4/7/2018</a:t>
+              <a:t>7/23/2019</a:t>
             </a:fld>
             <a:endParaRPr lang="en-US"/>
           </a:p>
@@ -1709,7 +1869,7 @@
           <a:lstStyle/>
           <a:p>
             <a:r>
-              <a:rPr lang="tr-TR" smtClean="0"/>
+              <a:rPr lang="tr-TR"/>
               <a:t>Asıl başlık stili için tıklatın</a:t>
             </a:r>
             <a:endParaRPr lang="en-US"/>
@@ -1775,7 +1935,7 @@
           <a:p>
             <a:pPr lvl="0"/>
             <a:r>
-              <a:rPr lang="tr-TR" smtClean="0"/>
+              <a:rPr lang="tr-TR"/>
               <a:t>Asıl metin stillerini düzenlemek için tıklatın</a:t>
             </a:r>
           </a:p>
@@ -1803,35 +1963,35 @@
           <a:p>
             <a:pPr lvl="0"/>
             <a:r>
-              <a:rPr lang="tr-TR" smtClean="0"/>
+              <a:rPr lang="tr-TR"/>
               <a:t>Asıl metin stillerini düzenlemek için tıklatın</a:t>
             </a:r>
           </a:p>
           <a:p>
             <a:pPr lvl="1"/>
             <a:r>
-              <a:rPr lang="tr-TR" smtClean="0"/>
+              <a:rPr lang="tr-TR"/>
               <a:t>İkinci düzey</a:t>
             </a:r>
           </a:p>
           <a:p>
             <a:pPr lvl="2"/>
             <a:r>
-              <a:rPr lang="tr-TR" smtClean="0"/>
+              <a:rPr lang="tr-TR"/>
               <a:t>Üçüncü düzey</a:t>
             </a:r>
           </a:p>
           <a:p>
             <a:pPr lvl="3"/>
             <a:r>
-              <a:rPr lang="tr-TR" smtClean="0"/>
+              <a:rPr lang="tr-TR"/>
               <a:t>Dördüncü düzey</a:t>
             </a:r>
           </a:p>
           <a:p>
             <a:pPr lvl="4"/>
             <a:r>
-              <a:rPr lang="tr-TR" smtClean="0"/>
+              <a:rPr lang="tr-TR"/>
               <a:t>Beşinci düzey</a:t>
             </a:r>
             <a:endParaRPr lang="en-US"/>
@@ -1897,7 +2057,7 @@
           <a:p>
             <a:pPr lvl="0"/>
             <a:r>
-              <a:rPr lang="tr-TR" smtClean="0"/>
+              <a:rPr lang="tr-TR"/>
               <a:t>Asıl metin stillerini düzenlemek için tıklatın</a:t>
             </a:r>
           </a:p>
@@ -1925,35 +2085,35 @@
           <a:p>
             <a:pPr lvl="0"/>
             <a:r>
-              <a:rPr lang="tr-TR" smtClean="0"/>
+              <a:rPr lang="tr-TR"/>
               <a:t>Asıl metin stillerini düzenlemek için tıklatın</a:t>
             </a:r>
           </a:p>
           <a:p>
             <a:pPr lvl="1"/>
             <a:r>
-              <a:rPr lang="tr-TR" smtClean="0"/>
+              <a:rPr lang="tr-TR"/>
               <a:t>İkinci düzey</a:t>
             </a:r>
           </a:p>
           <a:p>
             <a:pPr lvl="2"/>
             <a:r>
-              <a:rPr lang="tr-TR" smtClean="0"/>
+              <a:rPr lang="tr-TR"/>
               <a:t>Üçüncü düzey</a:t>
             </a:r>
           </a:p>
           <a:p>
             <a:pPr lvl="3"/>
             <a:r>
-              <a:rPr lang="tr-TR" smtClean="0"/>
+              <a:rPr lang="tr-TR"/>
               <a:t>Dördüncü düzey</a:t>
             </a:r>
           </a:p>
           <a:p>
             <a:pPr lvl="4"/>
             <a:r>
-              <a:rPr lang="tr-TR" smtClean="0"/>
+              <a:rPr lang="tr-TR"/>
               <a:t>Beşinci düzey</a:t>
             </a:r>
             <a:endParaRPr lang="en-US"/>
@@ -1977,7 +2137,7 @@
           <a:p>
             <a:fld id="{54AA066D-271F-4C1A-B89A-0705A7689EE9}" type="datetimeFigureOut">
               <a:rPr lang="en-US" smtClean="0"/>
-              <a:t>4/7/2018</a:t>
+              <a:t>7/23/2019</a:t>
             </a:fld>
             <a:endParaRPr lang="en-US"/>
           </a:p>
@@ -2071,7 +2231,7 @@
           <a:lstStyle/>
           <a:p>
             <a:r>
-              <a:rPr lang="tr-TR" smtClean="0"/>
+              <a:rPr lang="tr-TR"/>
               <a:t>Asıl başlık stili için tıklatın</a:t>
             </a:r>
             <a:endParaRPr lang="en-US"/>
@@ -2095,7 +2255,7 @@
           <a:p>
             <a:fld id="{54AA066D-271F-4C1A-B89A-0705A7689EE9}" type="datetimeFigureOut">
               <a:rPr lang="en-US" smtClean="0"/>
-              <a:t>4/7/2018</a:t>
+              <a:t>7/23/2019</a:t>
             </a:fld>
             <a:endParaRPr lang="en-US"/>
           </a:p>
@@ -2190,7 +2350,7 @@
           <a:p>
             <a:fld id="{54AA066D-271F-4C1A-B89A-0705A7689EE9}" type="datetimeFigureOut">
               <a:rPr lang="en-US" smtClean="0"/>
-              <a:t>4/7/2018</a:t>
+              <a:t>7/23/2019</a:t>
             </a:fld>
             <a:endParaRPr lang="en-US"/>
           </a:p>
@@ -2293,7 +2453,7 @@
           </a:lstStyle>
           <a:p>
             <a:r>
-              <a:rPr lang="tr-TR" smtClean="0"/>
+              <a:rPr lang="tr-TR"/>
               <a:t>Asıl başlık stili için tıklatın</a:t>
             </a:r>
             <a:endParaRPr lang="en-US"/>
@@ -2350,35 +2510,35 @@
           <a:p>
             <a:pPr lvl="0"/>
             <a:r>
-              <a:rPr lang="tr-TR" smtClean="0"/>
+              <a:rPr lang="tr-TR"/>
               <a:t>Asıl metin stillerini düzenlemek için tıklatın</a:t>
             </a:r>
           </a:p>
           <a:p>
             <a:pPr lvl="1"/>
             <a:r>
-              <a:rPr lang="tr-TR" smtClean="0"/>
+              <a:rPr lang="tr-TR"/>
               <a:t>İkinci düzey</a:t>
             </a:r>
           </a:p>
           <a:p>
             <a:pPr lvl="2"/>
             <a:r>
-              <a:rPr lang="tr-TR" smtClean="0"/>
+              <a:rPr lang="tr-TR"/>
               <a:t>Üçüncü düzey</a:t>
             </a:r>
           </a:p>
           <a:p>
             <a:pPr lvl="3"/>
             <a:r>
-              <a:rPr lang="tr-TR" smtClean="0"/>
+              <a:rPr lang="tr-TR"/>
               <a:t>Dördüncü düzey</a:t>
             </a:r>
           </a:p>
           <a:p>
             <a:pPr lvl="4"/>
             <a:r>
-              <a:rPr lang="tr-TR" smtClean="0"/>
+              <a:rPr lang="tr-TR"/>
               <a:t>Beşinci düzey</a:t>
             </a:r>
             <a:endParaRPr lang="en-US"/>
@@ -2444,7 +2604,7 @@
           <a:p>
             <a:pPr lvl="0"/>
             <a:r>
-              <a:rPr lang="tr-TR" smtClean="0"/>
+              <a:rPr lang="tr-TR"/>
               <a:t>Asıl metin stillerini düzenlemek için tıklatın</a:t>
             </a:r>
           </a:p>
@@ -2467,7 +2627,7 @@
           <a:p>
             <a:fld id="{54AA066D-271F-4C1A-B89A-0705A7689EE9}" type="datetimeFigureOut">
               <a:rPr lang="en-US" smtClean="0"/>
-              <a:t>4/7/2018</a:t>
+              <a:t>7/23/2019</a:t>
             </a:fld>
             <a:endParaRPr lang="en-US"/>
           </a:p>
@@ -2570,7 +2730,7 @@
           </a:lstStyle>
           <a:p>
             <a:r>
-              <a:rPr lang="tr-TR" smtClean="0"/>
+              <a:rPr lang="tr-TR"/>
               <a:t>Asıl başlık stili için tıklatın</a:t>
             </a:r>
             <a:endParaRPr lang="en-US"/>
@@ -2697,7 +2857,7 @@
           <a:p>
             <a:pPr lvl="0"/>
             <a:r>
-              <a:rPr lang="tr-TR" smtClean="0"/>
+              <a:rPr lang="tr-TR"/>
               <a:t>Asıl metin stillerini düzenlemek için tıklatın</a:t>
             </a:r>
           </a:p>
@@ -2720,7 +2880,7 @@
           <a:p>
             <a:fld id="{54AA066D-271F-4C1A-B89A-0705A7689EE9}" type="datetimeFigureOut">
               <a:rPr lang="en-US" smtClean="0"/>
-              <a:t>4/7/2018</a:t>
+              <a:t>7/23/2019</a:t>
             </a:fld>
             <a:endParaRPr lang="en-US"/>
           </a:p>
@@ -2829,7 +2989,7 @@
           <a:lstStyle/>
           <a:p>
             <a:r>
-              <a:rPr lang="tr-TR" smtClean="0"/>
+              <a:rPr lang="tr-TR"/>
               <a:t>Asıl başlık stili için tıklatın</a:t>
             </a:r>
             <a:endParaRPr lang="en-US"/>
@@ -2863,35 +3023,35 @@
           <a:p>
             <a:pPr lvl="0"/>
             <a:r>
-              <a:rPr lang="tr-TR" smtClean="0"/>
+              <a:rPr lang="tr-TR"/>
               <a:t>Asıl metin stillerini düzenlemek için tıklatın</a:t>
             </a:r>
           </a:p>
           <a:p>
             <a:pPr lvl="1"/>
             <a:r>
-              <a:rPr lang="tr-TR" smtClean="0"/>
+              <a:rPr lang="tr-TR"/>
               <a:t>İkinci düzey</a:t>
             </a:r>
           </a:p>
           <a:p>
             <a:pPr lvl="2"/>
             <a:r>
-              <a:rPr lang="tr-TR" smtClean="0"/>
+              <a:rPr lang="tr-TR"/>
               <a:t>Üçüncü düzey</a:t>
             </a:r>
           </a:p>
           <a:p>
             <a:pPr lvl="3"/>
             <a:r>
-              <a:rPr lang="tr-TR" smtClean="0"/>
+              <a:rPr lang="tr-TR"/>
               <a:t>Dördüncü düzey</a:t>
             </a:r>
           </a:p>
           <a:p>
             <a:pPr lvl="4"/>
             <a:r>
-              <a:rPr lang="tr-TR" smtClean="0"/>
+              <a:rPr lang="tr-TR"/>
               <a:t>Beşinci düzey</a:t>
             </a:r>
             <a:endParaRPr lang="en-US"/>
@@ -2933,7 +3093,7 @@
           <a:p>
             <a:fld id="{54AA066D-271F-4C1A-B89A-0705A7689EE9}" type="datetimeFigureOut">
               <a:rPr lang="en-US" smtClean="0"/>
-              <a:t>4/7/2018</a:t>
+              <a:t>7/23/2019</a:t>
             </a:fld>
             <a:endParaRPr lang="en-US"/>
           </a:p>
@@ -3375,369 +3535,6 @@
           </a:fontRef>
         </p:style>
       </p:cxnSp>
-      <p:grpSp>
-        <p:nvGrpSpPr>
-          <p:cNvPr id="15" name="Grup 14"/>
-          <p:cNvGrpSpPr/>
-          <p:nvPr/>
-        </p:nvGrpSpPr>
-        <p:grpSpPr>
-          <a:xfrm>
-            <a:off x="228596" y="6231467"/>
-            <a:ext cx="3041654" cy="492576"/>
-            <a:chOff x="228596" y="6231467"/>
-            <a:chExt cx="3041654" cy="492576"/>
-          </a:xfrm>
-        </p:grpSpPr>
-        <p:grpSp>
-          <p:nvGrpSpPr>
-            <p:cNvPr id="8" name="Grup 7"/>
-            <p:cNvGrpSpPr/>
-            <p:nvPr/>
-          </p:nvGrpSpPr>
-          <p:grpSpPr>
-            <a:xfrm>
-              <a:off x="228596" y="6231467"/>
-              <a:ext cx="2802471" cy="457084"/>
-              <a:chOff x="127000" y="5901146"/>
-              <a:chExt cx="5156200" cy="838200"/>
-            </a:xfrm>
-          </p:grpSpPr>
-          <p:sp>
-            <p:nvSpPr>
-              <p:cNvPr id="7" name="Dikdörtgen 6"/>
-              <p:cNvSpPr/>
-              <p:nvPr/>
-            </p:nvSpPr>
-            <p:spPr>
-              <a:xfrm>
-                <a:off x="127000" y="5901146"/>
-                <a:ext cx="5156200" cy="838200"/>
-              </a:xfrm>
-              <a:prstGeom prst="rect">
-                <a:avLst/>
-              </a:prstGeom>
-              <a:solidFill>
-                <a:schemeClr val="bg1">
-                  <a:lumMod val="95000"/>
-                </a:schemeClr>
-              </a:solidFill>
-              <a:ln>
-                <a:noFill/>
-              </a:ln>
-            </p:spPr>
-            <p:style>
-              <a:lnRef idx="2">
-                <a:schemeClr val="accent1">
-                  <a:shade val="50000"/>
-                </a:schemeClr>
-              </a:lnRef>
-              <a:fillRef idx="1">
-                <a:schemeClr val="accent1"/>
-              </a:fillRef>
-              <a:effectRef idx="0">
-                <a:schemeClr val="accent1"/>
-              </a:effectRef>
-              <a:fontRef idx="minor">
-                <a:schemeClr val="lt1"/>
-              </a:fontRef>
-            </p:style>
-            <p:txBody>
-              <a:bodyPr rtlCol="0" anchor="ctr"/>
-              <a:lstStyle/>
-              <a:p>
-                <a:pPr algn="ctr"/>
-                <a:endParaRPr lang="en-US" sz="2000"/>
-              </a:p>
-            </p:txBody>
-          </p:sp>
-          <p:grpSp>
-            <p:nvGrpSpPr>
-              <p:cNvPr id="6" name="Grup 5"/>
-              <p:cNvGrpSpPr/>
-              <p:nvPr/>
-            </p:nvGrpSpPr>
-            <p:grpSpPr>
-              <a:xfrm>
-                <a:off x="211667" y="6019800"/>
-                <a:ext cx="5012266" cy="605115"/>
-                <a:chOff x="211667" y="6019800"/>
-                <a:chExt cx="5012266" cy="605115"/>
-              </a:xfrm>
-            </p:grpSpPr>
-            <p:pic>
-              <p:nvPicPr>
-                <p:cNvPr id="4" name="Resim 3"/>
-                <p:cNvPicPr>
-                  <a:picLocks noChangeAspect="1"/>
-                </p:cNvPicPr>
-                <p:nvPr/>
-              </p:nvPicPr>
-              <p:blipFill rotWithShape="1">
-                <a:blip r:embed="rId2" cstate="print">
-                  <a:extLst>
-                    <a:ext uri="{28A0092B-C50C-407E-A947-70E740481C1C}">
-                      <a14:useLocalDpi xmlns:a14="http://schemas.microsoft.com/office/drawing/2010/main" val="0"/>
-                    </a:ext>
-                  </a:extLst>
-                </a:blip>
-                <a:srcRect l="24387" t="8319" r="18355" b="50150"/>
-                <a:stretch/>
-              </p:blipFill>
-              <p:spPr>
-                <a:xfrm>
-                  <a:off x="211667" y="6019800"/>
-                  <a:ext cx="1072095" cy="600892"/>
-                </a:xfrm>
-                <a:prstGeom prst="rect">
-                  <a:avLst/>
-                </a:prstGeom>
-              </p:spPr>
-            </p:pic>
-            <p:sp>
-              <p:nvSpPr>
-                <p:cNvPr id="5" name="Unvan 1"/>
-                <p:cNvSpPr txBox="1">
-                  <a:spLocks/>
-                </p:cNvSpPr>
-                <p:nvPr/>
-              </p:nvSpPr>
-              <p:spPr>
-                <a:xfrm>
-                  <a:off x="1283763" y="6024023"/>
-                  <a:ext cx="3940170" cy="600892"/>
-                </a:xfrm>
-                <a:prstGeom prst="rect">
-                  <a:avLst/>
-                </a:prstGeom>
-              </p:spPr>
-              <p:txBody>
-                <a:bodyPr vert="horz" lIns="91440" tIns="45720" rIns="91440" bIns="45720" rtlCol="0" anchor="b">
-                  <a:noAutofit/>
-                </a:bodyPr>
-                <a:lstStyle>
-                  <a:lvl1pPr algn="ctr" defTabSz="914400" rtl="0" eaLnBrk="1" latinLnBrk="0" hangingPunct="1">
-                    <a:lnSpc>
-                      <a:spcPct val="90000"/>
-                    </a:lnSpc>
-                    <a:spcBef>
-                      <a:spcPct val="0"/>
-                    </a:spcBef>
-                    <a:buNone/>
-                    <a:defRPr sz="6000" kern="1200">
-                      <a:solidFill>
-                        <a:schemeClr val="tx1"/>
-                      </a:solidFill>
-                      <a:latin typeface="+mj-lt"/>
-                      <a:ea typeface="+mj-ea"/>
-                      <a:cs typeface="+mj-cs"/>
-                    </a:defRPr>
-                  </a:lvl1pPr>
-                </a:lstStyle>
-                <a:p>
-                  <a:pPr algn="l"/>
-                  <a:r>
-                    <a:rPr lang="tr-TR" sz="2000" dirty="0" smtClean="0">
-                      <a:solidFill>
-                        <a:srgbClr val="CB171F"/>
-                      </a:solidFill>
-                      <a:latin typeface="Constantia" panose="02030602050306030303" pitchFamily="18" charset="0"/>
-                      <a:ea typeface="Verdana" panose="020B0604030504040204" pitchFamily="34" charset="0"/>
-                      <a:cs typeface="Arial" panose="020B0604020202020204" pitchFamily="34" charset="0"/>
-                    </a:rPr>
-                    <a:t>Veri Bilimi Okulu</a:t>
-                  </a:r>
-                  <a:endParaRPr lang="en-US" sz="2000" dirty="0">
-                    <a:solidFill>
-                      <a:srgbClr val="CB171F"/>
-                    </a:solidFill>
-                    <a:latin typeface="Constantia" panose="02030602050306030303" pitchFamily="18" charset="0"/>
-                    <a:ea typeface="Verdana" panose="020B0604030504040204" pitchFamily="34" charset="0"/>
-                    <a:cs typeface="Arial" panose="020B0604020202020204" pitchFamily="34" charset="0"/>
-                  </a:endParaRPr>
-                </a:p>
-              </p:txBody>
-            </p:sp>
-          </p:grpSp>
-        </p:grpSp>
-        <p:sp>
-          <p:nvSpPr>
-            <p:cNvPr id="12" name="Metin kutusu 11"/>
-            <p:cNvSpPr txBox="1"/>
-            <p:nvPr/>
-          </p:nvSpPr>
-          <p:spPr>
-            <a:xfrm>
-              <a:off x="1582782" y="6493211"/>
-              <a:ext cx="1687468" cy="230832"/>
-            </a:xfrm>
-            <a:prstGeom prst="rect">
-              <a:avLst/>
-            </a:prstGeom>
-            <a:noFill/>
-          </p:spPr>
-          <p:txBody>
-            <a:bodyPr wrap="square" rtlCol="0">
-              <a:spAutoFit/>
-            </a:bodyPr>
-            <a:lstStyle/>
-            <a:p>
-              <a:r>
-                <a:rPr lang="en-US" sz="900" dirty="0" smtClean="0">
-                  <a:solidFill>
-                    <a:srgbClr val="0B8043"/>
-                  </a:solidFill>
-                </a:rPr>
-                <a:t>https:</a:t>
-              </a:r>
-              <a:r>
-                <a:rPr lang="en-US" sz="900" dirty="0" smtClean="0">
-                  <a:solidFill>
-                    <a:schemeClr val="bg1">
-                      <a:lumMod val="50000"/>
-                    </a:schemeClr>
-                  </a:solidFill>
-                </a:rPr>
-                <a:t>//www.veribilimi.co</a:t>
-              </a:r>
-              <a:endParaRPr lang="en-US" sz="900" dirty="0">
-                <a:solidFill>
-                  <a:schemeClr val="bg1">
-                    <a:lumMod val="50000"/>
-                  </a:schemeClr>
-                </a:solidFill>
-              </a:endParaRPr>
-            </a:p>
-          </p:txBody>
-        </p:sp>
-      </p:grpSp>
-      <p:grpSp>
-        <p:nvGrpSpPr>
-          <p:cNvPr id="11" name="Grup 10"/>
-          <p:cNvGrpSpPr/>
-          <p:nvPr/>
-        </p:nvGrpSpPr>
-        <p:grpSpPr>
-          <a:xfrm>
-            <a:off x="9194796" y="6231467"/>
-            <a:ext cx="2802471" cy="457084"/>
-            <a:chOff x="184993" y="5905369"/>
-            <a:chExt cx="5156200" cy="838200"/>
-          </a:xfrm>
-        </p:grpSpPr>
-        <p:sp>
-          <p:nvSpPr>
-            <p:cNvPr id="13" name="Dikdörtgen 12"/>
-            <p:cNvSpPr/>
-            <p:nvPr/>
-          </p:nvSpPr>
-          <p:spPr>
-            <a:xfrm>
-              <a:off x="184993" y="5905369"/>
-              <a:ext cx="5156200" cy="838200"/>
-            </a:xfrm>
-            <a:prstGeom prst="rect">
-              <a:avLst/>
-            </a:prstGeom>
-            <a:solidFill>
-              <a:schemeClr val="bg1">
-                <a:lumMod val="95000"/>
-              </a:schemeClr>
-            </a:solidFill>
-            <a:ln>
-              <a:noFill/>
-            </a:ln>
-          </p:spPr>
-          <p:style>
-            <a:lnRef idx="2">
-              <a:schemeClr val="accent1">
-                <a:shade val="50000"/>
-              </a:schemeClr>
-            </a:lnRef>
-            <a:fillRef idx="1">
-              <a:schemeClr val="accent1"/>
-            </a:fillRef>
-            <a:effectRef idx="0">
-              <a:schemeClr val="accent1"/>
-            </a:effectRef>
-            <a:fontRef idx="minor">
-              <a:schemeClr val="lt1"/>
-            </a:fontRef>
-          </p:style>
-          <p:txBody>
-            <a:bodyPr rtlCol="0" anchor="ctr"/>
-            <a:lstStyle/>
-            <a:p>
-              <a:pPr algn="ctr"/>
-              <a:endParaRPr lang="en-US" sz="2000"/>
-            </a:p>
-          </p:txBody>
-        </p:sp>
-        <p:sp>
-          <p:nvSpPr>
-            <p:cNvPr id="14" name="Unvan 1"/>
-            <p:cNvSpPr txBox="1">
-              <a:spLocks/>
-            </p:cNvSpPr>
-            <p:nvPr/>
-          </p:nvSpPr>
-          <p:spPr>
-            <a:xfrm>
-              <a:off x="302252" y="6024023"/>
-              <a:ext cx="4921678" cy="600892"/>
-            </a:xfrm>
-            <a:prstGeom prst="rect">
-              <a:avLst/>
-            </a:prstGeom>
-          </p:spPr>
-          <p:txBody>
-            <a:bodyPr vert="horz" lIns="91440" tIns="45720" rIns="91440" bIns="45720" rtlCol="0" anchor="b">
-              <a:noAutofit/>
-            </a:bodyPr>
-            <a:lstStyle>
-              <a:lvl1pPr algn="ctr" defTabSz="914400" rtl="0" eaLnBrk="1" latinLnBrk="0" hangingPunct="1">
-                <a:lnSpc>
-                  <a:spcPct val="90000"/>
-                </a:lnSpc>
-                <a:spcBef>
-                  <a:spcPct val="0"/>
-                </a:spcBef>
-                <a:buNone/>
-                <a:defRPr sz="6000" kern="1200">
-                  <a:solidFill>
-                    <a:schemeClr val="tx1"/>
-                  </a:solidFill>
-                  <a:latin typeface="+mj-lt"/>
-                  <a:ea typeface="+mj-ea"/>
-                  <a:cs typeface="+mj-cs"/>
-                </a:defRPr>
-              </a:lvl1pPr>
-            </a:lstStyle>
-            <a:p>
-              <a:pPr algn="l"/>
-              <a:r>
-                <a:rPr lang="tr-TR" sz="2000" dirty="0">
-                  <a:solidFill>
-                    <a:srgbClr val="CB171F"/>
-                  </a:solidFill>
-                  <a:latin typeface="Constantia" panose="02030602050306030303" pitchFamily="18" charset="0"/>
-                  <a:ea typeface="Verdana" panose="020B0604030504040204" pitchFamily="34" charset="0"/>
-                  <a:cs typeface="Arial" panose="020B0604020202020204" pitchFamily="34" charset="0"/>
-                </a:rPr>
-                <a:t>A’dan Z’ye Büyük Veri</a:t>
-              </a:r>
-              <a:endParaRPr lang="en-US" sz="2000" dirty="0">
-                <a:solidFill>
-                  <a:srgbClr val="CB171F"/>
-                </a:solidFill>
-                <a:latin typeface="Constantia" panose="02030602050306030303" pitchFamily="18" charset="0"/>
-                <a:ea typeface="Verdana" panose="020B0604030504040204" pitchFamily="34" charset="0"/>
-                <a:cs typeface="Arial" panose="020B0604020202020204" pitchFamily="34" charset="0"/>
-              </a:endParaRPr>
-            </a:p>
-          </p:txBody>
-        </p:sp>
-      </p:grpSp>
       <p:pic>
         <p:nvPicPr>
           <p:cNvPr id="2" name="Resim 1"/>
@@ -3747,7 +3544,7 @@
           <p:nvPr/>
         </p:nvPicPr>
         <p:blipFill>
-          <a:blip r:embed="rId3">
+          <a:blip r:embed="rId2">
             <a:extLst>
               <a:ext uri="{28A0092B-C50C-407E-A947-70E740481C1C}">
                 <a14:useLocalDpi xmlns:a14="http://schemas.microsoft.com/office/drawing/2010/main" val="0"/>
@@ -3791,7 +3588,7 @@
           <a:lstStyle/>
           <a:p>
             <a:r>
-              <a:rPr lang="tr-TR" sz="4200" b="1" dirty="0" smtClean="0">
+              <a:rPr lang="tr-TR" sz="4200" b="1" dirty="0">
                 <a:solidFill>
                   <a:srgbClr val="CD1F26"/>
                 </a:solidFill>
@@ -3802,7 +3599,7 @@
               <a:t>Machine Learning</a:t>
             </a:r>
             <a:br>
-              <a:rPr lang="tr-TR" sz="4200" b="1" dirty="0" smtClean="0">
+              <a:rPr lang="tr-TR" sz="4200" b="1" dirty="0">
                 <a:solidFill>
                   <a:srgbClr val="CD1F26"/>
                 </a:solidFill>
@@ -3812,7 +3609,7 @@
               </a:rPr>
             </a:br>
             <a:r>
-              <a:rPr lang="tr-TR" sz="4200" b="1" dirty="0" smtClean="0">
+              <a:rPr lang="tr-TR" sz="4200" b="1" dirty="0">
                 <a:solidFill>
                   <a:srgbClr val="CD1F26"/>
                 </a:solidFill>
@@ -3843,13 +3640,6 @@
   <p:clrMapOvr>
     <a:masterClrMapping/>
   </p:clrMapOvr>
-  <p:timing>
-    <p:tnLst>
-      <p:par>
-        <p:cTn id="1" dur="indefinite" restart="never" nodeType="tmRoot"/>
-      </p:par>
-    </p:tnLst>
-  </p:timing>
 </p:sld>
 </file>
 
@@ -3907,369 +3697,6 @@
           </a:fontRef>
         </p:style>
       </p:cxnSp>
-      <p:grpSp>
-        <p:nvGrpSpPr>
-          <p:cNvPr id="15" name="Grup 14"/>
-          <p:cNvGrpSpPr/>
-          <p:nvPr/>
-        </p:nvGrpSpPr>
-        <p:grpSpPr>
-          <a:xfrm>
-            <a:off x="228596" y="6231467"/>
-            <a:ext cx="3041654" cy="492576"/>
-            <a:chOff x="228596" y="6231467"/>
-            <a:chExt cx="3041654" cy="492576"/>
-          </a:xfrm>
-        </p:grpSpPr>
-        <p:grpSp>
-          <p:nvGrpSpPr>
-            <p:cNvPr id="8" name="Grup 7"/>
-            <p:cNvGrpSpPr/>
-            <p:nvPr/>
-          </p:nvGrpSpPr>
-          <p:grpSpPr>
-            <a:xfrm>
-              <a:off x="228596" y="6231467"/>
-              <a:ext cx="2802471" cy="457084"/>
-              <a:chOff x="127000" y="5901146"/>
-              <a:chExt cx="5156200" cy="838200"/>
-            </a:xfrm>
-          </p:grpSpPr>
-          <p:sp>
-            <p:nvSpPr>
-              <p:cNvPr id="7" name="Dikdörtgen 6"/>
-              <p:cNvSpPr/>
-              <p:nvPr/>
-            </p:nvSpPr>
-            <p:spPr>
-              <a:xfrm>
-                <a:off x="127000" y="5901146"/>
-                <a:ext cx="5156200" cy="838200"/>
-              </a:xfrm>
-              <a:prstGeom prst="rect">
-                <a:avLst/>
-              </a:prstGeom>
-              <a:solidFill>
-                <a:schemeClr val="bg1">
-                  <a:lumMod val="95000"/>
-                </a:schemeClr>
-              </a:solidFill>
-              <a:ln>
-                <a:noFill/>
-              </a:ln>
-            </p:spPr>
-            <p:style>
-              <a:lnRef idx="2">
-                <a:schemeClr val="accent1">
-                  <a:shade val="50000"/>
-                </a:schemeClr>
-              </a:lnRef>
-              <a:fillRef idx="1">
-                <a:schemeClr val="accent1"/>
-              </a:fillRef>
-              <a:effectRef idx="0">
-                <a:schemeClr val="accent1"/>
-              </a:effectRef>
-              <a:fontRef idx="minor">
-                <a:schemeClr val="lt1"/>
-              </a:fontRef>
-            </p:style>
-            <p:txBody>
-              <a:bodyPr rtlCol="0" anchor="ctr"/>
-              <a:lstStyle/>
-              <a:p>
-                <a:pPr algn="ctr"/>
-                <a:endParaRPr lang="en-US" sz="2000"/>
-              </a:p>
-            </p:txBody>
-          </p:sp>
-          <p:grpSp>
-            <p:nvGrpSpPr>
-              <p:cNvPr id="6" name="Grup 5"/>
-              <p:cNvGrpSpPr/>
-              <p:nvPr/>
-            </p:nvGrpSpPr>
-            <p:grpSpPr>
-              <a:xfrm>
-                <a:off x="211667" y="6019800"/>
-                <a:ext cx="5012266" cy="605115"/>
-                <a:chOff x="211667" y="6019800"/>
-                <a:chExt cx="5012266" cy="605115"/>
-              </a:xfrm>
-            </p:grpSpPr>
-            <p:pic>
-              <p:nvPicPr>
-                <p:cNvPr id="4" name="Resim 3"/>
-                <p:cNvPicPr>
-                  <a:picLocks noChangeAspect="1"/>
-                </p:cNvPicPr>
-                <p:nvPr/>
-              </p:nvPicPr>
-              <p:blipFill rotWithShape="1">
-                <a:blip r:embed="rId2" cstate="print">
-                  <a:extLst>
-                    <a:ext uri="{28A0092B-C50C-407E-A947-70E740481C1C}">
-                      <a14:useLocalDpi xmlns:a14="http://schemas.microsoft.com/office/drawing/2010/main" val="0"/>
-                    </a:ext>
-                  </a:extLst>
-                </a:blip>
-                <a:srcRect l="24387" t="8319" r="18355" b="50150"/>
-                <a:stretch/>
-              </p:blipFill>
-              <p:spPr>
-                <a:xfrm>
-                  <a:off x="211667" y="6019800"/>
-                  <a:ext cx="1072095" cy="600892"/>
-                </a:xfrm>
-                <a:prstGeom prst="rect">
-                  <a:avLst/>
-                </a:prstGeom>
-              </p:spPr>
-            </p:pic>
-            <p:sp>
-              <p:nvSpPr>
-                <p:cNvPr id="5" name="Unvan 1"/>
-                <p:cNvSpPr txBox="1">
-                  <a:spLocks/>
-                </p:cNvSpPr>
-                <p:nvPr/>
-              </p:nvSpPr>
-              <p:spPr>
-                <a:xfrm>
-                  <a:off x="1283763" y="6024023"/>
-                  <a:ext cx="3940170" cy="600892"/>
-                </a:xfrm>
-                <a:prstGeom prst="rect">
-                  <a:avLst/>
-                </a:prstGeom>
-              </p:spPr>
-              <p:txBody>
-                <a:bodyPr vert="horz" lIns="91440" tIns="45720" rIns="91440" bIns="45720" rtlCol="0" anchor="b">
-                  <a:noAutofit/>
-                </a:bodyPr>
-                <a:lstStyle>
-                  <a:lvl1pPr algn="ctr" defTabSz="914400" rtl="0" eaLnBrk="1" latinLnBrk="0" hangingPunct="1">
-                    <a:lnSpc>
-                      <a:spcPct val="90000"/>
-                    </a:lnSpc>
-                    <a:spcBef>
-                      <a:spcPct val="0"/>
-                    </a:spcBef>
-                    <a:buNone/>
-                    <a:defRPr sz="6000" kern="1200">
-                      <a:solidFill>
-                        <a:schemeClr val="tx1"/>
-                      </a:solidFill>
-                      <a:latin typeface="+mj-lt"/>
-                      <a:ea typeface="+mj-ea"/>
-                      <a:cs typeface="+mj-cs"/>
-                    </a:defRPr>
-                  </a:lvl1pPr>
-                </a:lstStyle>
-                <a:p>
-                  <a:pPr algn="l"/>
-                  <a:r>
-                    <a:rPr lang="tr-TR" sz="2000" dirty="0" smtClean="0">
-                      <a:solidFill>
-                        <a:srgbClr val="CB171F"/>
-                      </a:solidFill>
-                      <a:latin typeface="Constantia" panose="02030602050306030303" pitchFamily="18" charset="0"/>
-                      <a:ea typeface="Verdana" panose="020B0604030504040204" pitchFamily="34" charset="0"/>
-                      <a:cs typeface="Arial" panose="020B0604020202020204" pitchFamily="34" charset="0"/>
-                    </a:rPr>
-                    <a:t>Veri Bilimi Okulu</a:t>
-                  </a:r>
-                  <a:endParaRPr lang="en-US" sz="2000" dirty="0">
-                    <a:solidFill>
-                      <a:srgbClr val="CB171F"/>
-                    </a:solidFill>
-                    <a:latin typeface="Constantia" panose="02030602050306030303" pitchFamily="18" charset="0"/>
-                    <a:ea typeface="Verdana" panose="020B0604030504040204" pitchFamily="34" charset="0"/>
-                    <a:cs typeface="Arial" panose="020B0604020202020204" pitchFamily="34" charset="0"/>
-                  </a:endParaRPr>
-                </a:p>
-              </p:txBody>
-            </p:sp>
-          </p:grpSp>
-        </p:grpSp>
-        <p:sp>
-          <p:nvSpPr>
-            <p:cNvPr id="12" name="Metin kutusu 11"/>
-            <p:cNvSpPr txBox="1"/>
-            <p:nvPr/>
-          </p:nvSpPr>
-          <p:spPr>
-            <a:xfrm>
-              <a:off x="1582782" y="6493211"/>
-              <a:ext cx="1687468" cy="230832"/>
-            </a:xfrm>
-            <a:prstGeom prst="rect">
-              <a:avLst/>
-            </a:prstGeom>
-            <a:noFill/>
-          </p:spPr>
-          <p:txBody>
-            <a:bodyPr wrap="square" rtlCol="0">
-              <a:spAutoFit/>
-            </a:bodyPr>
-            <a:lstStyle/>
-            <a:p>
-              <a:r>
-                <a:rPr lang="en-US" sz="900" dirty="0" smtClean="0">
-                  <a:solidFill>
-                    <a:srgbClr val="0B8043"/>
-                  </a:solidFill>
-                </a:rPr>
-                <a:t>https:</a:t>
-              </a:r>
-              <a:r>
-                <a:rPr lang="en-US" sz="900" dirty="0" smtClean="0">
-                  <a:solidFill>
-                    <a:schemeClr val="bg1">
-                      <a:lumMod val="50000"/>
-                    </a:schemeClr>
-                  </a:solidFill>
-                </a:rPr>
-                <a:t>//www.veribilimi.co</a:t>
-              </a:r>
-              <a:endParaRPr lang="en-US" sz="900" dirty="0">
-                <a:solidFill>
-                  <a:schemeClr val="bg1">
-                    <a:lumMod val="50000"/>
-                  </a:schemeClr>
-                </a:solidFill>
-              </a:endParaRPr>
-            </a:p>
-          </p:txBody>
-        </p:sp>
-      </p:grpSp>
-      <p:grpSp>
-        <p:nvGrpSpPr>
-          <p:cNvPr id="11" name="Grup 10"/>
-          <p:cNvGrpSpPr/>
-          <p:nvPr/>
-        </p:nvGrpSpPr>
-        <p:grpSpPr>
-          <a:xfrm>
-            <a:off x="9194796" y="6231467"/>
-            <a:ext cx="2802471" cy="457084"/>
-            <a:chOff x="184993" y="5905369"/>
-            <a:chExt cx="5156200" cy="838200"/>
-          </a:xfrm>
-        </p:grpSpPr>
-        <p:sp>
-          <p:nvSpPr>
-            <p:cNvPr id="13" name="Dikdörtgen 12"/>
-            <p:cNvSpPr/>
-            <p:nvPr/>
-          </p:nvSpPr>
-          <p:spPr>
-            <a:xfrm>
-              <a:off x="184993" y="5905369"/>
-              <a:ext cx="5156200" cy="838200"/>
-            </a:xfrm>
-            <a:prstGeom prst="rect">
-              <a:avLst/>
-            </a:prstGeom>
-            <a:solidFill>
-              <a:schemeClr val="bg1">
-                <a:lumMod val="95000"/>
-              </a:schemeClr>
-            </a:solidFill>
-            <a:ln>
-              <a:noFill/>
-            </a:ln>
-          </p:spPr>
-          <p:style>
-            <a:lnRef idx="2">
-              <a:schemeClr val="accent1">
-                <a:shade val="50000"/>
-              </a:schemeClr>
-            </a:lnRef>
-            <a:fillRef idx="1">
-              <a:schemeClr val="accent1"/>
-            </a:fillRef>
-            <a:effectRef idx="0">
-              <a:schemeClr val="accent1"/>
-            </a:effectRef>
-            <a:fontRef idx="minor">
-              <a:schemeClr val="lt1"/>
-            </a:fontRef>
-          </p:style>
-          <p:txBody>
-            <a:bodyPr rtlCol="0" anchor="ctr"/>
-            <a:lstStyle/>
-            <a:p>
-              <a:pPr algn="ctr"/>
-              <a:endParaRPr lang="en-US" sz="2000"/>
-            </a:p>
-          </p:txBody>
-        </p:sp>
-        <p:sp>
-          <p:nvSpPr>
-            <p:cNvPr id="14" name="Unvan 1"/>
-            <p:cNvSpPr txBox="1">
-              <a:spLocks/>
-            </p:cNvSpPr>
-            <p:nvPr/>
-          </p:nvSpPr>
-          <p:spPr>
-            <a:xfrm>
-              <a:off x="302252" y="6024023"/>
-              <a:ext cx="4921678" cy="600892"/>
-            </a:xfrm>
-            <a:prstGeom prst="rect">
-              <a:avLst/>
-            </a:prstGeom>
-          </p:spPr>
-          <p:txBody>
-            <a:bodyPr vert="horz" lIns="91440" tIns="45720" rIns="91440" bIns="45720" rtlCol="0" anchor="b">
-              <a:noAutofit/>
-            </a:bodyPr>
-            <a:lstStyle>
-              <a:lvl1pPr algn="ctr" defTabSz="914400" rtl="0" eaLnBrk="1" latinLnBrk="0" hangingPunct="1">
-                <a:lnSpc>
-                  <a:spcPct val="90000"/>
-                </a:lnSpc>
-                <a:spcBef>
-                  <a:spcPct val="0"/>
-                </a:spcBef>
-                <a:buNone/>
-                <a:defRPr sz="6000" kern="1200">
-                  <a:solidFill>
-                    <a:schemeClr val="tx1"/>
-                  </a:solidFill>
-                  <a:latin typeface="+mj-lt"/>
-                  <a:ea typeface="+mj-ea"/>
-                  <a:cs typeface="+mj-cs"/>
-                </a:defRPr>
-              </a:lvl1pPr>
-            </a:lstStyle>
-            <a:p>
-              <a:pPr algn="l"/>
-              <a:r>
-                <a:rPr lang="tr-TR" sz="2000" dirty="0">
-                  <a:solidFill>
-                    <a:srgbClr val="CB171F"/>
-                  </a:solidFill>
-                  <a:latin typeface="Constantia" panose="02030602050306030303" pitchFamily="18" charset="0"/>
-                  <a:ea typeface="Verdana" panose="020B0604030504040204" pitchFamily="34" charset="0"/>
-                  <a:cs typeface="Arial" panose="020B0604020202020204" pitchFamily="34" charset="0"/>
-                </a:rPr>
-                <a:t>A’dan Z’ye Büyük Veri</a:t>
-              </a:r>
-              <a:endParaRPr lang="en-US" sz="2000" dirty="0">
-                <a:solidFill>
-                  <a:srgbClr val="CB171F"/>
-                </a:solidFill>
-                <a:latin typeface="Constantia" panose="02030602050306030303" pitchFamily="18" charset="0"/>
-                <a:ea typeface="Verdana" panose="020B0604030504040204" pitchFamily="34" charset="0"/>
-                <a:cs typeface="Arial" panose="020B0604020202020204" pitchFamily="34" charset="0"/>
-              </a:endParaRPr>
-            </a:p>
-          </p:txBody>
-        </p:sp>
-      </p:grpSp>
       <p:sp>
         <p:nvSpPr>
           <p:cNvPr id="16" name="Unvan 1"/>
@@ -4293,7 +3720,7 @@
           <a:lstStyle/>
           <a:p>
             <a:r>
-              <a:rPr lang="tr-TR" sz="4200" b="1" dirty="0" err="1" smtClean="0">
+              <a:rPr lang="tr-TR" sz="4200" b="1" dirty="0" err="1">
                 <a:solidFill>
                   <a:srgbClr val="CD1F26"/>
                 </a:solidFill>
@@ -4304,7 +3731,7 @@
               <a:t>Spark</a:t>
             </a:r>
             <a:r>
-              <a:rPr lang="tr-TR" sz="4200" b="1" dirty="0" smtClean="0">
+              <a:rPr lang="tr-TR" sz="4200" b="1" dirty="0">
                 <a:solidFill>
                   <a:srgbClr val="CD1F26"/>
                 </a:solidFill>
@@ -4315,7 +3742,7 @@
               <a:t> </a:t>
             </a:r>
             <a:r>
-              <a:rPr lang="tr-TR" sz="4200" b="1" dirty="0" err="1" smtClean="0">
+              <a:rPr lang="tr-TR" sz="4200" b="1" dirty="0" err="1">
                 <a:solidFill>
                   <a:srgbClr val="CD1F26"/>
                 </a:solidFill>
@@ -4487,7 +3914,7 @@
               <a:p>
                 <a:pPr algn="ctr"/>
                 <a:r>
-                  <a:rPr lang="tr-TR" sz="2400" b="1" dirty="0" err="1" smtClean="0">
+                  <a:rPr lang="tr-TR" sz="2400" b="1" dirty="0" err="1">
                     <a:solidFill>
                       <a:srgbClr val="CD1F26"/>
                     </a:solidFill>
@@ -4497,7 +3924,7 @@
                   <a:t>Spark</a:t>
                 </a:r>
                 <a:r>
-                  <a:rPr lang="tr-TR" sz="2400" b="1" dirty="0" smtClean="0">
+                  <a:rPr lang="tr-TR" sz="2400" b="1" dirty="0">
                     <a:solidFill>
                       <a:srgbClr val="CD1F26"/>
                     </a:solidFill>
@@ -4507,7 +3934,7 @@
                   <a:t> </a:t>
                 </a:r>
                 <a:r>
-                  <a:rPr lang="tr-TR" sz="2400" b="1" dirty="0" err="1" smtClean="0">
+                  <a:rPr lang="tr-TR" sz="2400" b="1" dirty="0" err="1">
                     <a:solidFill>
                       <a:srgbClr val="CD1F26"/>
                     </a:solidFill>
@@ -4517,7 +3944,7 @@
                   <a:t>Core</a:t>
                 </a:r>
                 <a:r>
-                  <a:rPr lang="tr-TR" sz="2400" dirty="0" smtClean="0">
+                  <a:rPr lang="tr-TR" sz="2400" dirty="0">
                     <a:latin typeface="Arial" panose="020B0604020202020204" pitchFamily="34" charset="0"/>
                     <a:cs typeface="Arial" panose="020B0604020202020204" pitchFamily="34" charset="0"/>
                   </a:rPr>
@@ -4527,21 +3954,21 @@
               <a:p>
                 <a:pPr algn="ctr"/>
                 <a:r>
-                  <a:rPr lang="tr-TR" b="1" dirty="0" err="1" smtClean="0">
+                  <a:rPr lang="tr-TR" b="1" dirty="0" err="1">
                     <a:latin typeface="Arial" panose="020B0604020202020204" pitchFamily="34" charset="0"/>
                     <a:cs typeface="Arial" panose="020B0604020202020204" pitchFamily="34" charset="0"/>
                   </a:rPr>
                   <a:t>Unstructured</a:t>
                 </a:r>
                 <a:r>
-                  <a:rPr lang="tr-TR" b="1" dirty="0" smtClean="0">
+                  <a:rPr lang="tr-TR" b="1" dirty="0">
                     <a:latin typeface="Arial" panose="020B0604020202020204" pitchFamily="34" charset="0"/>
                     <a:cs typeface="Arial" panose="020B0604020202020204" pitchFamily="34" charset="0"/>
                   </a:rPr>
                   <a:t>:</a:t>
                 </a:r>
                 <a:r>
-                  <a:rPr lang="tr-TR" dirty="0" smtClean="0">
+                  <a:rPr lang="tr-TR" dirty="0">
                     <a:latin typeface="Arial" panose="020B0604020202020204" pitchFamily="34" charset="0"/>
                     <a:cs typeface="Arial" panose="020B0604020202020204" pitchFamily="34" charset="0"/>
                   </a:rPr>
@@ -4568,36 +3995,36 @@
                   <a:t> Broadcast </a:t>
                 </a:r>
                 <a:r>
-                  <a:rPr lang="tr-TR" dirty="0" err="1" smtClean="0"/>
+                  <a:rPr lang="tr-TR" dirty="0" err="1"/>
                   <a:t>variables</a:t>
                 </a:r>
-                <a:endParaRPr lang="tr-TR" dirty="0" smtClean="0"/>
+                <a:endParaRPr lang="tr-TR" dirty="0"/>
               </a:p>
               <a:p>
                 <a:pPr algn="ctr"/>
                 <a:r>
-                  <a:rPr lang="tr-TR" b="1" dirty="0" err="1" smtClean="0">
+                  <a:rPr lang="tr-TR" b="1" dirty="0" err="1">
                     <a:latin typeface="Arial" panose="020B0604020202020204" pitchFamily="34" charset="0"/>
                     <a:cs typeface="Arial" panose="020B0604020202020204" pitchFamily="34" charset="0"/>
                   </a:rPr>
                   <a:t>Structured</a:t>
                 </a:r>
                 <a:r>
-                  <a:rPr lang="tr-TR" b="1" dirty="0" smtClean="0">
+                  <a:rPr lang="tr-TR" b="1" dirty="0">
                     <a:latin typeface="Arial" panose="020B0604020202020204" pitchFamily="34" charset="0"/>
                     <a:cs typeface="Arial" panose="020B0604020202020204" pitchFamily="34" charset="0"/>
                   </a:rPr>
                   <a:t>:</a:t>
                 </a:r>
                 <a:r>
-                  <a:rPr lang="tr-TR" dirty="0" smtClean="0">
+                  <a:rPr lang="tr-TR" dirty="0">
                     <a:latin typeface="Arial" panose="020B0604020202020204" pitchFamily="34" charset="0"/>
                     <a:cs typeface="Arial" panose="020B0604020202020204" pitchFamily="34" charset="0"/>
                   </a:rPr>
                   <a:t> </a:t>
                 </a:r>
                 <a:r>
-                  <a:rPr lang="tr-TR" dirty="0" err="1" smtClean="0"/>
+                  <a:rPr lang="tr-TR" dirty="0" err="1"/>
                   <a:t>DataFrames</a:t>
                 </a:r>
                 <a:r>
@@ -4765,7 +4192,7 @@
               <a:p>
                 <a:pPr algn="ctr"/>
                 <a:r>
-                  <a:rPr lang="tr-TR" b="1" dirty="0" err="1" smtClean="0">
+                  <a:rPr lang="tr-TR" b="1" dirty="0" err="1">
                     <a:solidFill>
                       <a:srgbClr val="CD1F26"/>
                     </a:solidFill>
@@ -4775,7 +4202,7 @@
                   <a:t>Spark</a:t>
                 </a:r>
                 <a:r>
-                  <a:rPr lang="tr-TR" b="1" dirty="0" smtClean="0">
+                  <a:rPr lang="tr-TR" b="1" dirty="0">
                     <a:solidFill>
                       <a:srgbClr val="CD1F26"/>
                     </a:solidFill>
@@ -4932,7 +4359,7 @@
               <a:p>
                 <a:pPr algn="ctr"/>
                 <a:r>
-                  <a:rPr lang="tr-TR" b="1" dirty="0" err="1" smtClean="0">
+                  <a:rPr lang="tr-TR" b="1" dirty="0" err="1">
                     <a:solidFill>
                       <a:srgbClr val="CD1F26"/>
                     </a:solidFill>
@@ -4942,7 +4369,7 @@
                   <a:t>Spark</a:t>
                 </a:r>
                 <a:r>
-                  <a:rPr lang="tr-TR" b="1" dirty="0" smtClean="0">
+                  <a:rPr lang="tr-TR" b="1" dirty="0">
                     <a:solidFill>
                       <a:srgbClr val="CD1F26"/>
                     </a:solidFill>
@@ -4952,7 +4379,7 @@
                   <a:t> </a:t>
                 </a:r>
                 <a:r>
-                  <a:rPr lang="tr-TR" b="1" dirty="0" err="1" smtClean="0">
+                  <a:rPr lang="tr-TR" b="1" dirty="0" err="1">
                     <a:solidFill>
                       <a:srgbClr val="CD1F26"/>
                     </a:solidFill>
@@ -5109,7 +4536,7 @@
               <a:p>
                 <a:pPr algn="ctr"/>
                 <a:r>
-                  <a:rPr lang="tr-TR" b="1" dirty="0" err="1" smtClean="0">
+                  <a:rPr lang="tr-TR" b="1" dirty="0" err="1">
                     <a:solidFill>
                       <a:srgbClr val="CD1F26"/>
                     </a:solidFill>
@@ -5119,7 +4546,7 @@
                   <a:t>Spark</a:t>
                 </a:r>
                 <a:r>
-                  <a:rPr lang="tr-TR" b="1" dirty="0" smtClean="0">
+                  <a:rPr lang="tr-TR" b="1" dirty="0">
                     <a:solidFill>
                       <a:srgbClr val="CD1F26"/>
                     </a:solidFill>
@@ -5129,7 +4556,7 @@
                   <a:t> </a:t>
                 </a:r>
                 <a:r>
-                  <a:rPr lang="tr-TR" b="1" dirty="0" err="1" smtClean="0">
+                  <a:rPr lang="tr-TR" b="1" dirty="0" err="1">
                     <a:solidFill>
                       <a:srgbClr val="CD1F26"/>
                     </a:solidFill>
@@ -5286,7 +4713,7 @@
               <a:p>
                 <a:pPr algn="ctr"/>
                 <a:r>
-                  <a:rPr lang="tr-TR" b="1" dirty="0" err="1" smtClean="0">
+                  <a:rPr lang="tr-TR" b="1" dirty="0" err="1">
                     <a:solidFill>
                       <a:srgbClr val="CD1F26"/>
                     </a:solidFill>
@@ -5296,7 +4723,7 @@
                   <a:t>Spark</a:t>
                 </a:r>
                 <a:r>
-                  <a:rPr lang="tr-TR" b="1" dirty="0" smtClean="0">
+                  <a:rPr lang="tr-TR" b="1" dirty="0">
                     <a:solidFill>
                       <a:srgbClr val="CD1F26"/>
                     </a:solidFill>
@@ -5306,7 +4733,7 @@
                   <a:t> </a:t>
                 </a:r>
                 <a:r>
-                  <a:rPr lang="tr-TR" b="1" dirty="0" err="1" smtClean="0">
+                  <a:rPr lang="tr-TR" b="1" dirty="0" err="1">
                     <a:solidFill>
                       <a:srgbClr val="CD1F26"/>
                     </a:solidFill>
@@ -5337,13 +4764,6 @@
   <p:clrMapOvr>
     <a:masterClrMapping/>
   </p:clrMapOvr>
-  <p:timing>
-    <p:tnLst>
-      <p:par>
-        <p:cTn id="1" dur="indefinite" restart="never" nodeType="tmRoot"/>
-      </p:par>
-    </p:tnLst>
-  </p:timing>
 </p:sld>
 </file>
 
@@ -5401,369 +4821,6 @@
           </a:fontRef>
         </p:style>
       </p:cxnSp>
-      <p:grpSp>
-        <p:nvGrpSpPr>
-          <p:cNvPr id="15" name="Grup 14"/>
-          <p:cNvGrpSpPr/>
-          <p:nvPr/>
-        </p:nvGrpSpPr>
-        <p:grpSpPr>
-          <a:xfrm>
-            <a:off x="228596" y="6231467"/>
-            <a:ext cx="3041654" cy="492576"/>
-            <a:chOff x="228596" y="6231467"/>
-            <a:chExt cx="3041654" cy="492576"/>
-          </a:xfrm>
-        </p:grpSpPr>
-        <p:grpSp>
-          <p:nvGrpSpPr>
-            <p:cNvPr id="8" name="Grup 7"/>
-            <p:cNvGrpSpPr/>
-            <p:nvPr/>
-          </p:nvGrpSpPr>
-          <p:grpSpPr>
-            <a:xfrm>
-              <a:off x="228596" y="6231467"/>
-              <a:ext cx="2802471" cy="457084"/>
-              <a:chOff x="127000" y="5901146"/>
-              <a:chExt cx="5156200" cy="838200"/>
-            </a:xfrm>
-          </p:grpSpPr>
-          <p:sp>
-            <p:nvSpPr>
-              <p:cNvPr id="7" name="Dikdörtgen 6"/>
-              <p:cNvSpPr/>
-              <p:nvPr/>
-            </p:nvSpPr>
-            <p:spPr>
-              <a:xfrm>
-                <a:off x="127000" y="5901146"/>
-                <a:ext cx="5156200" cy="838200"/>
-              </a:xfrm>
-              <a:prstGeom prst="rect">
-                <a:avLst/>
-              </a:prstGeom>
-              <a:solidFill>
-                <a:schemeClr val="bg1">
-                  <a:lumMod val="95000"/>
-                </a:schemeClr>
-              </a:solidFill>
-              <a:ln>
-                <a:noFill/>
-              </a:ln>
-            </p:spPr>
-            <p:style>
-              <a:lnRef idx="2">
-                <a:schemeClr val="accent1">
-                  <a:shade val="50000"/>
-                </a:schemeClr>
-              </a:lnRef>
-              <a:fillRef idx="1">
-                <a:schemeClr val="accent1"/>
-              </a:fillRef>
-              <a:effectRef idx="0">
-                <a:schemeClr val="accent1"/>
-              </a:effectRef>
-              <a:fontRef idx="minor">
-                <a:schemeClr val="lt1"/>
-              </a:fontRef>
-            </p:style>
-            <p:txBody>
-              <a:bodyPr rtlCol="0" anchor="ctr"/>
-              <a:lstStyle/>
-              <a:p>
-                <a:pPr algn="ctr"/>
-                <a:endParaRPr lang="en-US" sz="2000"/>
-              </a:p>
-            </p:txBody>
-          </p:sp>
-          <p:grpSp>
-            <p:nvGrpSpPr>
-              <p:cNvPr id="6" name="Grup 5"/>
-              <p:cNvGrpSpPr/>
-              <p:nvPr/>
-            </p:nvGrpSpPr>
-            <p:grpSpPr>
-              <a:xfrm>
-                <a:off x="211667" y="6019800"/>
-                <a:ext cx="5012266" cy="605115"/>
-                <a:chOff x="211667" y="6019800"/>
-                <a:chExt cx="5012266" cy="605115"/>
-              </a:xfrm>
-            </p:grpSpPr>
-            <p:pic>
-              <p:nvPicPr>
-                <p:cNvPr id="4" name="Resim 3"/>
-                <p:cNvPicPr>
-                  <a:picLocks noChangeAspect="1"/>
-                </p:cNvPicPr>
-                <p:nvPr/>
-              </p:nvPicPr>
-              <p:blipFill rotWithShape="1">
-                <a:blip r:embed="rId2" cstate="print">
-                  <a:extLst>
-                    <a:ext uri="{28A0092B-C50C-407E-A947-70E740481C1C}">
-                      <a14:useLocalDpi xmlns:a14="http://schemas.microsoft.com/office/drawing/2010/main" val="0"/>
-                    </a:ext>
-                  </a:extLst>
-                </a:blip>
-                <a:srcRect l="24387" t="8319" r="18355" b="50150"/>
-                <a:stretch/>
-              </p:blipFill>
-              <p:spPr>
-                <a:xfrm>
-                  <a:off x="211667" y="6019800"/>
-                  <a:ext cx="1072095" cy="600892"/>
-                </a:xfrm>
-                <a:prstGeom prst="rect">
-                  <a:avLst/>
-                </a:prstGeom>
-              </p:spPr>
-            </p:pic>
-            <p:sp>
-              <p:nvSpPr>
-                <p:cNvPr id="5" name="Unvan 1"/>
-                <p:cNvSpPr txBox="1">
-                  <a:spLocks/>
-                </p:cNvSpPr>
-                <p:nvPr/>
-              </p:nvSpPr>
-              <p:spPr>
-                <a:xfrm>
-                  <a:off x="1283763" y="6024023"/>
-                  <a:ext cx="3940170" cy="600892"/>
-                </a:xfrm>
-                <a:prstGeom prst="rect">
-                  <a:avLst/>
-                </a:prstGeom>
-              </p:spPr>
-              <p:txBody>
-                <a:bodyPr vert="horz" lIns="91440" tIns="45720" rIns="91440" bIns="45720" rtlCol="0" anchor="b">
-                  <a:noAutofit/>
-                </a:bodyPr>
-                <a:lstStyle>
-                  <a:lvl1pPr algn="ctr" defTabSz="914400" rtl="0" eaLnBrk="1" latinLnBrk="0" hangingPunct="1">
-                    <a:lnSpc>
-                      <a:spcPct val="90000"/>
-                    </a:lnSpc>
-                    <a:spcBef>
-                      <a:spcPct val="0"/>
-                    </a:spcBef>
-                    <a:buNone/>
-                    <a:defRPr sz="6000" kern="1200">
-                      <a:solidFill>
-                        <a:schemeClr val="tx1"/>
-                      </a:solidFill>
-                      <a:latin typeface="+mj-lt"/>
-                      <a:ea typeface="+mj-ea"/>
-                      <a:cs typeface="+mj-cs"/>
-                    </a:defRPr>
-                  </a:lvl1pPr>
-                </a:lstStyle>
-                <a:p>
-                  <a:pPr algn="l"/>
-                  <a:r>
-                    <a:rPr lang="tr-TR" sz="2000" dirty="0" smtClean="0">
-                      <a:solidFill>
-                        <a:srgbClr val="CB171F"/>
-                      </a:solidFill>
-                      <a:latin typeface="Constantia" panose="02030602050306030303" pitchFamily="18" charset="0"/>
-                      <a:ea typeface="Verdana" panose="020B0604030504040204" pitchFamily="34" charset="0"/>
-                      <a:cs typeface="Arial" panose="020B0604020202020204" pitchFamily="34" charset="0"/>
-                    </a:rPr>
-                    <a:t>Veri Bilimi Okulu</a:t>
-                  </a:r>
-                  <a:endParaRPr lang="en-US" sz="2000" dirty="0">
-                    <a:solidFill>
-                      <a:srgbClr val="CB171F"/>
-                    </a:solidFill>
-                    <a:latin typeface="Constantia" panose="02030602050306030303" pitchFamily="18" charset="0"/>
-                    <a:ea typeface="Verdana" panose="020B0604030504040204" pitchFamily="34" charset="0"/>
-                    <a:cs typeface="Arial" panose="020B0604020202020204" pitchFamily="34" charset="0"/>
-                  </a:endParaRPr>
-                </a:p>
-              </p:txBody>
-            </p:sp>
-          </p:grpSp>
-        </p:grpSp>
-        <p:sp>
-          <p:nvSpPr>
-            <p:cNvPr id="12" name="Metin kutusu 11"/>
-            <p:cNvSpPr txBox="1"/>
-            <p:nvPr/>
-          </p:nvSpPr>
-          <p:spPr>
-            <a:xfrm>
-              <a:off x="1582782" y="6493211"/>
-              <a:ext cx="1687468" cy="230832"/>
-            </a:xfrm>
-            <a:prstGeom prst="rect">
-              <a:avLst/>
-            </a:prstGeom>
-            <a:noFill/>
-          </p:spPr>
-          <p:txBody>
-            <a:bodyPr wrap="square" rtlCol="0">
-              <a:spAutoFit/>
-            </a:bodyPr>
-            <a:lstStyle/>
-            <a:p>
-              <a:r>
-                <a:rPr lang="en-US" sz="900" dirty="0" smtClean="0">
-                  <a:solidFill>
-                    <a:srgbClr val="0B8043"/>
-                  </a:solidFill>
-                </a:rPr>
-                <a:t>https:</a:t>
-              </a:r>
-              <a:r>
-                <a:rPr lang="en-US" sz="900" dirty="0" smtClean="0">
-                  <a:solidFill>
-                    <a:schemeClr val="bg1">
-                      <a:lumMod val="50000"/>
-                    </a:schemeClr>
-                  </a:solidFill>
-                </a:rPr>
-                <a:t>//www.veribilimi.co</a:t>
-              </a:r>
-              <a:endParaRPr lang="en-US" sz="900" dirty="0">
-                <a:solidFill>
-                  <a:schemeClr val="bg1">
-                    <a:lumMod val="50000"/>
-                  </a:schemeClr>
-                </a:solidFill>
-              </a:endParaRPr>
-            </a:p>
-          </p:txBody>
-        </p:sp>
-      </p:grpSp>
-      <p:grpSp>
-        <p:nvGrpSpPr>
-          <p:cNvPr id="11" name="Grup 10"/>
-          <p:cNvGrpSpPr/>
-          <p:nvPr/>
-        </p:nvGrpSpPr>
-        <p:grpSpPr>
-          <a:xfrm>
-            <a:off x="9194796" y="6231467"/>
-            <a:ext cx="2802471" cy="457084"/>
-            <a:chOff x="184993" y="5905369"/>
-            <a:chExt cx="5156200" cy="838200"/>
-          </a:xfrm>
-        </p:grpSpPr>
-        <p:sp>
-          <p:nvSpPr>
-            <p:cNvPr id="13" name="Dikdörtgen 12"/>
-            <p:cNvSpPr/>
-            <p:nvPr/>
-          </p:nvSpPr>
-          <p:spPr>
-            <a:xfrm>
-              <a:off x="184993" y="5905369"/>
-              <a:ext cx="5156200" cy="838200"/>
-            </a:xfrm>
-            <a:prstGeom prst="rect">
-              <a:avLst/>
-            </a:prstGeom>
-            <a:solidFill>
-              <a:schemeClr val="bg1">
-                <a:lumMod val="95000"/>
-              </a:schemeClr>
-            </a:solidFill>
-            <a:ln>
-              <a:noFill/>
-            </a:ln>
-          </p:spPr>
-          <p:style>
-            <a:lnRef idx="2">
-              <a:schemeClr val="accent1">
-                <a:shade val="50000"/>
-              </a:schemeClr>
-            </a:lnRef>
-            <a:fillRef idx="1">
-              <a:schemeClr val="accent1"/>
-            </a:fillRef>
-            <a:effectRef idx="0">
-              <a:schemeClr val="accent1"/>
-            </a:effectRef>
-            <a:fontRef idx="minor">
-              <a:schemeClr val="lt1"/>
-            </a:fontRef>
-          </p:style>
-          <p:txBody>
-            <a:bodyPr rtlCol="0" anchor="ctr"/>
-            <a:lstStyle/>
-            <a:p>
-              <a:pPr algn="ctr"/>
-              <a:endParaRPr lang="en-US" sz="2000"/>
-            </a:p>
-          </p:txBody>
-        </p:sp>
-        <p:sp>
-          <p:nvSpPr>
-            <p:cNvPr id="14" name="Unvan 1"/>
-            <p:cNvSpPr txBox="1">
-              <a:spLocks/>
-            </p:cNvSpPr>
-            <p:nvPr/>
-          </p:nvSpPr>
-          <p:spPr>
-            <a:xfrm>
-              <a:off x="302252" y="6024023"/>
-              <a:ext cx="4921678" cy="600892"/>
-            </a:xfrm>
-            <a:prstGeom prst="rect">
-              <a:avLst/>
-            </a:prstGeom>
-          </p:spPr>
-          <p:txBody>
-            <a:bodyPr vert="horz" lIns="91440" tIns="45720" rIns="91440" bIns="45720" rtlCol="0" anchor="b">
-              <a:noAutofit/>
-            </a:bodyPr>
-            <a:lstStyle>
-              <a:lvl1pPr algn="ctr" defTabSz="914400" rtl="0" eaLnBrk="1" latinLnBrk="0" hangingPunct="1">
-                <a:lnSpc>
-                  <a:spcPct val="90000"/>
-                </a:lnSpc>
-                <a:spcBef>
-                  <a:spcPct val="0"/>
-                </a:spcBef>
-                <a:buNone/>
-                <a:defRPr sz="6000" kern="1200">
-                  <a:solidFill>
-                    <a:schemeClr val="tx1"/>
-                  </a:solidFill>
-                  <a:latin typeface="+mj-lt"/>
-                  <a:ea typeface="+mj-ea"/>
-                  <a:cs typeface="+mj-cs"/>
-                </a:defRPr>
-              </a:lvl1pPr>
-            </a:lstStyle>
-            <a:p>
-              <a:pPr algn="l"/>
-              <a:r>
-                <a:rPr lang="tr-TR" sz="2000" dirty="0">
-                  <a:solidFill>
-                    <a:srgbClr val="CB171F"/>
-                  </a:solidFill>
-                  <a:latin typeface="Constantia" panose="02030602050306030303" pitchFamily="18" charset="0"/>
-                  <a:ea typeface="Verdana" panose="020B0604030504040204" pitchFamily="34" charset="0"/>
-                  <a:cs typeface="Arial" panose="020B0604020202020204" pitchFamily="34" charset="0"/>
-                </a:rPr>
-                <a:t>A’dan Z’ye Büyük Veri</a:t>
-              </a:r>
-              <a:endParaRPr lang="en-US" sz="2000" dirty="0">
-                <a:solidFill>
-                  <a:srgbClr val="CB171F"/>
-                </a:solidFill>
-                <a:latin typeface="Constantia" panose="02030602050306030303" pitchFamily="18" charset="0"/>
-                <a:ea typeface="Verdana" panose="020B0604030504040204" pitchFamily="34" charset="0"/>
-                <a:cs typeface="Arial" panose="020B0604020202020204" pitchFamily="34" charset="0"/>
-              </a:endParaRPr>
-            </a:p>
-          </p:txBody>
-        </p:sp>
-      </p:grpSp>
       <p:sp>
         <p:nvSpPr>
           <p:cNvPr id="16" name="Unvan 1"/>
@@ -5776,7 +4833,7 @@
         </p:nvSpPr>
         <p:spPr>
           <a:xfrm>
-            <a:off x="1452030" y="1828800"/>
+            <a:off x="1749742" y="1733107"/>
             <a:ext cx="9144000" cy="2124475"/>
           </a:xfrm>
         </p:spPr>
@@ -5787,42 +4844,37 @@
           <a:lstStyle/>
           <a:p>
             <a:r>
-              <a:rPr lang="en-US" sz="4400" b="1" dirty="0">
+              <a:rPr lang="en-US" sz="5400" b="1" dirty="0">
                 <a:solidFill>
-                  <a:srgbClr val="00B0F0"/>
+                  <a:srgbClr val="0070C0"/>
                 </a:solidFill>
+                <a:latin typeface="Arial Rounded MT Bold" panose="020F0704030504030204" pitchFamily="34" charset="0"/>
               </a:rPr>
-              <a:t>Spark makes big data machine learning </a:t>
-            </a:r>
-            <a:r>
-              <a:rPr lang="en-US" sz="4400" b="1" dirty="0" smtClean="0">
+              <a:t>Spark makes big data machine learning simple</a:t>
+            </a:r>
+            <a:r>
+              <a:rPr lang="tr-TR" sz="5400" b="1" dirty="0">
                 <a:solidFill>
-                  <a:srgbClr val="00B0F0"/>
+                  <a:srgbClr val="0070C0"/>
                 </a:solidFill>
-              </a:rPr>
-              <a:t>simple</a:t>
-            </a:r>
-            <a:r>
-              <a:rPr lang="tr-TR" sz="4400" b="1" dirty="0" smtClean="0">
-                <a:solidFill>
-                  <a:srgbClr val="00B0F0"/>
-                </a:solidFill>
+                <a:latin typeface="Arial Rounded MT Bold" panose="020F0704030504030204" pitchFamily="34" charset="0"/>
               </a:rPr>
               <a:t>.</a:t>
             </a:r>
             <a:r>
-              <a:rPr lang="en-US" sz="4400" b="1" dirty="0" smtClean="0">
+              <a:rPr lang="en-US" sz="5400" b="1" dirty="0">
                 <a:solidFill>
-                  <a:srgbClr val="00B0F0"/>
+                  <a:srgbClr val="0070C0"/>
                 </a:solidFill>
+                <a:latin typeface="Arial Rounded MT Bold" panose="020F0704030504030204" pitchFamily="34" charset="0"/>
               </a:rPr>
               <a:t> </a:t>
             </a:r>
-            <a:endParaRPr lang="en-US" sz="4200" b="1" dirty="0">
+            <a:endParaRPr lang="en-US" sz="5400" b="1" dirty="0">
               <a:solidFill>
-                <a:srgbClr val="00B0F0"/>
+                <a:srgbClr val="0070C0"/>
               </a:solidFill>
-              <a:latin typeface="Arial" panose="020B0604020202020204" pitchFamily="34" charset="0"/>
+              <a:latin typeface="Arial Rounded MT Bold" panose="020F0704030504030204" pitchFamily="34" charset="0"/>
               <a:ea typeface="Verdana" panose="020B0604030504040204" pitchFamily="34" charset="0"/>
               <a:cs typeface="Arial" panose="020B0604020202020204" pitchFamily="34" charset="0"/>
             </a:endParaRPr>
@@ -5839,13 +4891,6 @@
   <p:clrMapOvr>
     <a:masterClrMapping/>
   </p:clrMapOvr>
-  <p:timing>
-    <p:tnLst>
-      <p:par>
-        <p:cTn id="1" dur="indefinite" restart="never" nodeType="tmRoot"/>
-      </p:par>
-    </p:tnLst>
-  </p:timing>
 </p:sld>
 </file>
 
@@ -5903,369 +4948,6 @@
           </a:fontRef>
         </p:style>
       </p:cxnSp>
-      <p:grpSp>
-        <p:nvGrpSpPr>
-          <p:cNvPr id="15" name="Grup 14"/>
-          <p:cNvGrpSpPr/>
-          <p:nvPr/>
-        </p:nvGrpSpPr>
-        <p:grpSpPr>
-          <a:xfrm>
-            <a:off x="228596" y="6231467"/>
-            <a:ext cx="3041654" cy="492576"/>
-            <a:chOff x="228596" y="6231467"/>
-            <a:chExt cx="3041654" cy="492576"/>
-          </a:xfrm>
-        </p:grpSpPr>
-        <p:grpSp>
-          <p:nvGrpSpPr>
-            <p:cNvPr id="8" name="Grup 7"/>
-            <p:cNvGrpSpPr/>
-            <p:nvPr/>
-          </p:nvGrpSpPr>
-          <p:grpSpPr>
-            <a:xfrm>
-              <a:off x="228596" y="6231467"/>
-              <a:ext cx="2802471" cy="457084"/>
-              <a:chOff x="127000" y="5901146"/>
-              <a:chExt cx="5156200" cy="838200"/>
-            </a:xfrm>
-          </p:grpSpPr>
-          <p:sp>
-            <p:nvSpPr>
-              <p:cNvPr id="7" name="Dikdörtgen 6"/>
-              <p:cNvSpPr/>
-              <p:nvPr/>
-            </p:nvSpPr>
-            <p:spPr>
-              <a:xfrm>
-                <a:off x="127000" y="5901146"/>
-                <a:ext cx="5156200" cy="838200"/>
-              </a:xfrm>
-              <a:prstGeom prst="rect">
-                <a:avLst/>
-              </a:prstGeom>
-              <a:solidFill>
-                <a:schemeClr val="bg1">
-                  <a:lumMod val="95000"/>
-                </a:schemeClr>
-              </a:solidFill>
-              <a:ln>
-                <a:noFill/>
-              </a:ln>
-            </p:spPr>
-            <p:style>
-              <a:lnRef idx="2">
-                <a:schemeClr val="accent1">
-                  <a:shade val="50000"/>
-                </a:schemeClr>
-              </a:lnRef>
-              <a:fillRef idx="1">
-                <a:schemeClr val="accent1"/>
-              </a:fillRef>
-              <a:effectRef idx="0">
-                <a:schemeClr val="accent1"/>
-              </a:effectRef>
-              <a:fontRef idx="minor">
-                <a:schemeClr val="lt1"/>
-              </a:fontRef>
-            </p:style>
-            <p:txBody>
-              <a:bodyPr rtlCol="0" anchor="ctr"/>
-              <a:lstStyle/>
-              <a:p>
-                <a:pPr algn="ctr"/>
-                <a:endParaRPr lang="en-US" sz="2000"/>
-              </a:p>
-            </p:txBody>
-          </p:sp>
-          <p:grpSp>
-            <p:nvGrpSpPr>
-              <p:cNvPr id="6" name="Grup 5"/>
-              <p:cNvGrpSpPr/>
-              <p:nvPr/>
-            </p:nvGrpSpPr>
-            <p:grpSpPr>
-              <a:xfrm>
-                <a:off x="211667" y="6019800"/>
-                <a:ext cx="5012266" cy="605115"/>
-                <a:chOff x="211667" y="6019800"/>
-                <a:chExt cx="5012266" cy="605115"/>
-              </a:xfrm>
-            </p:grpSpPr>
-            <p:pic>
-              <p:nvPicPr>
-                <p:cNvPr id="4" name="Resim 3"/>
-                <p:cNvPicPr>
-                  <a:picLocks noChangeAspect="1"/>
-                </p:cNvPicPr>
-                <p:nvPr/>
-              </p:nvPicPr>
-              <p:blipFill rotWithShape="1">
-                <a:blip r:embed="rId2" cstate="print">
-                  <a:extLst>
-                    <a:ext uri="{28A0092B-C50C-407E-A947-70E740481C1C}">
-                      <a14:useLocalDpi xmlns:a14="http://schemas.microsoft.com/office/drawing/2010/main" val="0"/>
-                    </a:ext>
-                  </a:extLst>
-                </a:blip>
-                <a:srcRect l="24387" t="8319" r="18355" b="50150"/>
-                <a:stretch/>
-              </p:blipFill>
-              <p:spPr>
-                <a:xfrm>
-                  <a:off x="211667" y="6019800"/>
-                  <a:ext cx="1072095" cy="600892"/>
-                </a:xfrm>
-                <a:prstGeom prst="rect">
-                  <a:avLst/>
-                </a:prstGeom>
-              </p:spPr>
-            </p:pic>
-            <p:sp>
-              <p:nvSpPr>
-                <p:cNvPr id="5" name="Unvan 1"/>
-                <p:cNvSpPr txBox="1">
-                  <a:spLocks/>
-                </p:cNvSpPr>
-                <p:nvPr/>
-              </p:nvSpPr>
-              <p:spPr>
-                <a:xfrm>
-                  <a:off x="1283763" y="6024023"/>
-                  <a:ext cx="3940170" cy="600892"/>
-                </a:xfrm>
-                <a:prstGeom prst="rect">
-                  <a:avLst/>
-                </a:prstGeom>
-              </p:spPr>
-              <p:txBody>
-                <a:bodyPr vert="horz" lIns="91440" tIns="45720" rIns="91440" bIns="45720" rtlCol="0" anchor="b">
-                  <a:noAutofit/>
-                </a:bodyPr>
-                <a:lstStyle>
-                  <a:lvl1pPr algn="ctr" defTabSz="914400" rtl="0" eaLnBrk="1" latinLnBrk="0" hangingPunct="1">
-                    <a:lnSpc>
-                      <a:spcPct val="90000"/>
-                    </a:lnSpc>
-                    <a:spcBef>
-                      <a:spcPct val="0"/>
-                    </a:spcBef>
-                    <a:buNone/>
-                    <a:defRPr sz="6000" kern="1200">
-                      <a:solidFill>
-                        <a:schemeClr val="tx1"/>
-                      </a:solidFill>
-                      <a:latin typeface="+mj-lt"/>
-                      <a:ea typeface="+mj-ea"/>
-                      <a:cs typeface="+mj-cs"/>
-                    </a:defRPr>
-                  </a:lvl1pPr>
-                </a:lstStyle>
-                <a:p>
-                  <a:pPr algn="l"/>
-                  <a:r>
-                    <a:rPr lang="tr-TR" sz="2000" dirty="0" smtClean="0">
-                      <a:solidFill>
-                        <a:srgbClr val="CB171F"/>
-                      </a:solidFill>
-                      <a:latin typeface="Constantia" panose="02030602050306030303" pitchFamily="18" charset="0"/>
-                      <a:ea typeface="Verdana" panose="020B0604030504040204" pitchFamily="34" charset="0"/>
-                      <a:cs typeface="Arial" panose="020B0604020202020204" pitchFamily="34" charset="0"/>
-                    </a:rPr>
-                    <a:t>Veri Bilimi Okulu</a:t>
-                  </a:r>
-                  <a:endParaRPr lang="en-US" sz="2000" dirty="0">
-                    <a:solidFill>
-                      <a:srgbClr val="CB171F"/>
-                    </a:solidFill>
-                    <a:latin typeface="Constantia" panose="02030602050306030303" pitchFamily="18" charset="0"/>
-                    <a:ea typeface="Verdana" panose="020B0604030504040204" pitchFamily="34" charset="0"/>
-                    <a:cs typeface="Arial" panose="020B0604020202020204" pitchFamily="34" charset="0"/>
-                  </a:endParaRPr>
-                </a:p>
-              </p:txBody>
-            </p:sp>
-          </p:grpSp>
-        </p:grpSp>
-        <p:sp>
-          <p:nvSpPr>
-            <p:cNvPr id="12" name="Metin kutusu 11"/>
-            <p:cNvSpPr txBox="1"/>
-            <p:nvPr/>
-          </p:nvSpPr>
-          <p:spPr>
-            <a:xfrm>
-              <a:off x="1582782" y="6493211"/>
-              <a:ext cx="1687468" cy="230832"/>
-            </a:xfrm>
-            <a:prstGeom prst="rect">
-              <a:avLst/>
-            </a:prstGeom>
-            <a:noFill/>
-          </p:spPr>
-          <p:txBody>
-            <a:bodyPr wrap="square" rtlCol="0">
-              <a:spAutoFit/>
-            </a:bodyPr>
-            <a:lstStyle/>
-            <a:p>
-              <a:r>
-                <a:rPr lang="en-US" sz="900" dirty="0" smtClean="0">
-                  <a:solidFill>
-                    <a:srgbClr val="0B8043"/>
-                  </a:solidFill>
-                </a:rPr>
-                <a:t>https:</a:t>
-              </a:r>
-              <a:r>
-                <a:rPr lang="en-US" sz="900" dirty="0" smtClean="0">
-                  <a:solidFill>
-                    <a:schemeClr val="bg1">
-                      <a:lumMod val="50000"/>
-                    </a:schemeClr>
-                  </a:solidFill>
-                </a:rPr>
-                <a:t>//www.veribilimi.co</a:t>
-              </a:r>
-              <a:endParaRPr lang="en-US" sz="900" dirty="0">
-                <a:solidFill>
-                  <a:schemeClr val="bg1">
-                    <a:lumMod val="50000"/>
-                  </a:schemeClr>
-                </a:solidFill>
-              </a:endParaRPr>
-            </a:p>
-          </p:txBody>
-        </p:sp>
-      </p:grpSp>
-      <p:grpSp>
-        <p:nvGrpSpPr>
-          <p:cNvPr id="11" name="Grup 10"/>
-          <p:cNvGrpSpPr/>
-          <p:nvPr/>
-        </p:nvGrpSpPr>
-        <p:grpSpPr>
-          <a:xfrm>
-            <a:off x="9194796" y="6231467"/>
-            <a:ext cx="2802471" cy="457084"/>
-            <a:chOff x="184993" y="5905369"/>
-            <a:chExt cx="5156200" cy="838200"/>
-          </a:xfrm>
-        </p:grpSpPr>
-        <p:sp>
-          <p:nvSpPr>
-            <p:cNvPr id="13" name="Dikdörtgen 12"/>
-            <p:cNvSpPr/>
-            <p:nvPr/>
-          </p:nvSpPr>
-          <p:spPr>
-            <a:xfrm>
-              <a:off x="184993" y="5905369"/>
-              <a:ext cx="5156200" cy="838200"/>
-            </a:xfrm>
-            <a:prstGeom prst="rect">
-              <a:avLst/>
-            </a:prstGeom>
-            <a:solidFill>
-              <a:schemeClr val="bg1">
-                <a:lumMod val="95000"/>
-              </a:schemeClr>
-            </a:solidFill>
-            <a:ln>
-              <a:noFill/>
-            </a:ln>
-          </p:spPr>
-          <p:style>
-            <a:lnRef idx="2">
-              <a:schemeClr val="accent1">
-                <a:shade val="50000"/>
-              </a:schemeClr>
-            </a:lnRef>
-            <a:fillRef idx="1">
-              <a:schemeClr val="accent1"/>
-            </a:fillRef>
-            <a:effectRef idx="0">
-              <a:schemeClr val="accent1"/>
-            </a:effectRef>
-            <a:fontRef idx="minor">
-              <a:schemeClr val="lt1"/>
-            </a:fontRef>
-          </p:style>
-          <p:txBody>
-            <a:bodyPr rtlCol="0" anchor="ctr"/>
-            <a:lstStyle/>
-            <a:p>
-              <a:pPr algn="ctr"/>
-              <a:endParaRPr lang="en-US" sz="2000"/>
-            </a:p>
-          </p:txBody>
-        </p:sp>
-        <p:sp>
-          <p:nvSpPr>
-            <p:cNvPr id="14" name="Unvan 1"/>
-            <p:cNvSpPr txBox="1">
-              <a:spLocks/>
-            </p:cNvSpPr>
-            <p:nvPr/>
-          </p:nvSpPr>
-          <p:spPr>
-            <a:xfrm>
-              <a:off x="302252" y="6024023"/>
-              <a:ext cx="4921678" cy="600892"/>
-            </a:xfrm>
-            <a:prstGeom prst="rect">
-              <a:avLst/>
-            </a:prstGeom>
-          </p:spPr>
-          <p:txBody>
-            <a:bodyPr vert="horz" lIns="91440" tIns="45720" rIns="91440" bIns="45720" rtlCol="0" anchor="b">
-              <a:noAutofit/>
-            </a:bodyPr>
-            <a:lstStyle>
-              <a:lvl1pPr algn="ctr" defTabSz="914400" rtl="0" eaLnBrk="1" latinLnBrk="0" hangingPunct="1">
-                <a:lnSpc>
-                  <a:spcPct val="90000"/>
-                </a:lnSpc>
-                <a:spcBef>
-                  <a:spcPct val="0"/>
-                </a:spcBef>
-                <a:buNone/>
-                <a:defRPr sz="6000" kern="1200">
-                  <a:solidFill>
-                    <a:schemeClr val="tx1"/>
-                  </a:solidFill>
-                  <a:latin typeface="+mj-lt"/>
-                  <a:ea typeface="+mj-ea"/>
-                  <a:cs typeface="+mj-cs"/>
-                </a:defRPr>
-              </a:lvl1pPr>
-            </a:lstStyle>
-            <a:p>
-              <a:pPr algn="l"/>
-              <a:r>
-                <a:rPr lang="tr-TR" sz="2000" dirty="0">
-                  <a:solidFill>
-                    <a:srgbClr val="CB171F"/>
-                  </a:solidFill>
-                  <a:latin typeface="Constantia" panose="02030602050306030303" pitchFamily="18" charset="0"/>
-                  <a:ea typeface="Verdana" panose="020B0604030504040204" pitchFamily="34" charset="0"/>
-                  <a:cs typeface="Arial" panose="020B0604020202020204" pitchFamily="34" charset="0"/>
-                </a:rPr>
-                <a:t>A’dan Z’ye Büyük Veri</a:t>
-              </a:r>
-              <a:endParaRPr lang="en-US" sz="2000" dirty="0">
-                <a:solidFill>
-                  <a:srgbClr val="CB171F"/>
-                </a:solidFill>
-                <a:latin typeface="Constantia" panose="02030602050306030303" pitchFamily="18" charset="0"/>
-                <a:ea typeface="Verdana" panose="020B0604030504040204" pitchFamily="34" charset="0"/>
-                <a:cs typeface="Arial" panose="020B0604020202020204" pitchFamily="34" charset="0"/>
-              </a:endParaRPr>
-            </a:p>
-          </p:txBody>
-        </p:sp>
-      </p:grpSp>
       <p:sp>
         <p:nvSpPr>
           <p:cNvPr id="16" name="Unvan 1"/>
@@ -6289,7 +4971,7 @@
           <a:lstStyle/>
           <a:p>
             <a:r>
-              <a:rPr lang="tr-TR" sz="4200" b="1" dirty="0" smtClean="0">
+              <a:rPr lang="tr-TR" sz="4200" b="1" dirty="0">
                 <a:solidFill>
                   <a:srgbClr val="CD1F26"/>
                 </a:solidFill>
@@ -6339,7 +5021,7 @@
               <a:buChar char="ü"/>
             </a:pPr>
             <a:r>
-              <a:rPr lang="tr-TR" sz="2400" dirty="0" smtClean="0">
+              <a:rPr lang="tr-TR" sz="2400" dirty="0">
                 <a:solidFill>
                   <a:srgbClr val="404041"/>
                 </a:solidFill>
@@ -6347,12 +5029,6 @@
               </a:rPr>
               <a:t>Veri toplama</a:t>
             </a:r>
-            <a:endParaRPr lang="tr-TR" sz="2400" dirty="0" smtClean="0">
-              <a:solidFill>
-                <a:srgbClr val="404041"/>
-              </a:solidFill>
-              <a:latin typeface="Roboto"/>
-            </a:endParaRPr>
           </a:p>
           <a:p>
             <a:pPr marL="342900" indent="-342900">
@@ -6363,7 +5039,7 @@
               <a:buChar char="ü"/>
             </a:pPr>
             <a:r>
-              <a:rPr lang="tr-TR" sz="2400" dirty="0" smtClean="0">
+              <a:rPr lang="tr-TR" sz="2400" dirty="0">
                 <a:solidFill>
                   <a:srgbClr val="404041"/>
                 </a:solidFill>
@@ -6381,7 +5057,7 @@
               <a:buChar char="ü"/>
             </a:pPr>
             <a:r>
-              <a:rPr lang="tr-TR" sz="2400" dirty="0" smtClean="0">
+              <a:rPr lang="tr-TR" sz="2400" dirty="0">
                 <a:solidFill>
                   <a:srgbClr val="404041"/>
                 </a:solidFill>
@@ -6399,7 +5075,7 @@
               <a:buChar char="ü"/>
             </a:pPr>
             <a:r>
-              <a:rPr lang="tr-TR" sz="2400" dirty="0" smtClean="0">
+              <a:rPr lang="tr-TR" sz="2400" dirty="0">
                 <a:solidFill>
                   <a:srgbClr val="404041"/>
                 </a:solidFill>
@@ -6417,7 +5093,7 @@
               <a:buChar char="ü"/>
             </a:pPr>
             <a:r>
-              <a:rPr lang="tr-TR" sz="2400" dirty="0" smtClean="0">
+              <a:rPr lang="tr-TR" sz="2400" dirty="0">
                 <a:solidFill>
                   <a:srgbClr val="404041"/>
                 </a:solidFill>
@@ -6435,7 +5111,7 @@
               <a:buChar char="ü"/>
             </a:pPr>
             <a:r>
-              <a:rPr lang="tr-TR" sz="2400" dirty="0" smtClean="0">
+              <a:rPr lang="tr-TR" sz="2400" dirty="0">
                 <a:solidFill>
                   <a:srgbClr val="404041"/>
                 </a:solidFill>
@@ -6444,7 +5120,7 @@
               <a:t>Modelleri eğitme, test etme ve ayarlama (</a:t>
             </a:r>
             <a:r>
-              <a:rPr lang="tr-TR" sz="2400" dirty="0" err="1" smtClean="0">
+              <a:rPr lang="tr-TR" sz="2400" dirty="0" err="1">
                 <a:solidFill>
                   <a:srgbClr val="404041"/>
                 </a:solidFill>
@@ -6453,7 +5129,7 @@
               <a:t>tuning</a:t>
             </a:r>
             <a:r>
-              <a:rPr lang="tr-TR" sz="2400" dirty="0" smtClean="0">
+              <a:rPr lang="tr-TR" sz="2400" dirty="0">
                 <a:solidFill>
                   <a:srgbClr val="404041"/>
                 </a:solidFill>
@@ -6471,7 +5147,7 @@
               <a:buChar char="ü"/>
             </a:pPr>
             <a:r>
-              <a:rPr lang="tr-TR" sz="2400" dirty="0" smtClean="0">
+              <a:rPr lang="tr-TR" sz="2400" dirty="0">
                 <a:solidFill>
                   <a:srgbClr val="404041"/>
                 </a:solidFill>
@@ -6489,7 +5165,7 @@
               <a:buChar char="ü"/>
             </a:pPr>
             <a:r>
-              <a:rPr lang="tr-TR" sz="2400" dirty="0" smtClean="0">
+              <a:rPr lang="tr-TR" sz="2400" dirty="0">
                 <a:solidFill>
                   <a:srgbClr val="404041"/>
                 </a:solidFill>
@@ -6510,13 +5186,6 @@
   <p:clrMapOvr>
     <a:masterClrMapping/>
   </p:clrMapOvr>
-  <p:timing>
-    <p:tnLst>
-      <p:par>
-        <p:cTn id="1" dur="indefinite" restart="never" nodeType="tmRoot"/>
-      </p:par>
-    </p:tnLst>
-  </p:timing>
 </p:sld>
 </file>
 
@@ -6574,369 +5243,6 @@
           </a:fontRef>
         </p:style>
       </p:cxnSp>
-      <p:grpSp>
-        <p:nvGrpSpPr>
-          <p:cNvPr id="15" name="Grup 14"/>
-          <p:cNvGrpSpPr/>
-          <p:nvPr/>
-        </p:nvGrpSpPr>
-        <p:grpSpPr>
-          <a:xfrm>
-            <a:off x="228596" y="6231467"/>
-            <a:ext cx="3041654" cy="492576"/>
-            <a:chOff x="228596" y="6231467"/>
-            <a:chExt cx="3041654" cy="492576"/>
-          </a:xfrm>
-        </p:grpSpPr>
-        <p:grpSp>
-          <p:nvGrpSpPr>
-            <p:cNvPr id="8" name="Grup 7"/>
-            <p:cNvGrpSpPr/>
-            <p:nvPr/>
-          </p:nvGrpSpPr>
-          <p:grpSpPr>
-            <a:xfrm>
-              <a:off x="228596" y="6231467"/>
-              <a:ext cx="2802471" cy="457084"/>
-              <a:chOff x="127000" y="5901146"/>
-              <a:chExt cx="5156200" cy="838200"/>
-            </a:xfrm>
-          </p:grpSpPr>
-          <p:sp>
-            <p:nvSpPr>
-              <p:cNvPr id="7" name="Dikdörtgen 6"/>
-              <p:cNvSpPr/>
-              <p:nvPr/>
-            </p:nvSpPr>
-            <p:spPr>
-              <a:xfrm>
-                <a:off x="127000" y="5901146"/>
-                <a:ext cx="5156200" cy="838200"/>
-              </a:xfrm>
-              <a:prstGeom prst="rect">
-                <a:avLst/>
-              </a:prstGeom>
-              <a:solidFill>
-                <a:schemeClr val="bg1">
-                  <a:lumMod val="95000"/>
-                </a:schemeClr>
-              </a:solidFill>
-              <a:ln>
-                <a:noFill/>
-              </a:ln>
-            </p:spPr>
-            <p:style>
-              <a:lnRef idx="2">
-                <a:schemeClr val="accent1">
-                  <a:shade val="50000"/>
-                </a:schemeClr>
-              </a:lnRef>
-              <a:fillRef idx="1">
-                <a:schemeClr val="accent1"/>
-              </a:fillRef>
-              <a:effectRef idx="0">
-                <a:schemeClr val="accent1"/>
-              </a:effectRef>
-              <a:fontRef idx="minor">
-                <a:schemeClr val="lt1"/>
-              </a:fontRef>
-            </p:style>
-            <p:txBody>
-              <a:bodyPr rtlCol="0" anchor="ctr"/>
-              <a:lstStyle/>
-              <a:p>
-                <a:pPr algn="ctr"/>
-                <a:endParaRPr lang="en-US" sz="2000"/>
-              </a:p>
-            </p:txBody>
-          </p:sp>
-          <p:grpSp>
-            <p:nvGrpSpPr>
-              <p:cNvPr id="6" name="Grup 5"/>
-              <p:cNvGrpSpPr/>
-              <p:nvPr/>
-            </p:nvGrpSpPr>
-            <p:grpSpPr>
-              <a:xfrm>
-                <a:off x="211667" y="6019800"/>
-                <a:ext cx="5012266" cy="605115"/>
-                <a:chOff x="211667" y="6019800"/>
-                <a:chExt cx="5012266" cy="605115"/>
-              </a:xfrm>
-            </p:grpSpPr>
-            <p:pic>
-              <p:nvPicPr>
-                <p:cNvPr id="4" name="Resim 3"/>
-                <p:cNvPicPr>
-                  <a:picLocks noChangeAspect="1"/>
-                </p:cNvPicPr>
-                <p:nvPr/>
-              </p:nvPicPr>
-              <p:blipFill rotWithShape="1">
-                <a:blip r:embed="rId2" cstate="print">
-                  <a:extLst>
-                    <a:ext uri="{28A0092B-C50C-407E-A947-70E740481C1C}">
-                      <a14:useLocalDpi xmlns:a14="http://schemas.microsoft.com/office/drawing/2010/main" val="0"/>
-                    </a:ext>
-                  </a:extLst>
-                </a:blip>
-                <a:srcRect l="24387" t="8319" r="18355" b="50150"/>
-                <a:stretch/>
-              </p:blipFill>
-              <p:spPr>
-                <a:xfrm>
-                  <a:off x="211667" y="6019800"/>
-                  <a:ext cx="1072095" cy="600892"/>
-                </a:xfrm>
-                <a:prstGeom prst="rect">
-                  <a:avLst/>
-                </a:prstGeom>
-              </p:spPr>
-            </p:pic>
-            <p:sp>
-              <p:nvSpPr>
-                <p:cNvPr id="5" name="Unvan 1"/>
-                <p:cNvSpPr txBox="1">
-                  <a:spLocks/>
-                </p:cNvSpPr>
-                <p:nvPr/>
-              </p:nvSpPr>
-              <p:spPr>
-                <a:xfrm>
-                  <a:off x="1283763" y="6024023"/>
-                  <a:ext cx="3940170" cy="600892"/>
-                </a:xfrm>
-                <a:prstGeom prst="rect">
-                  <a:avLst/>
-                </a:prstGeom>
-              </p:spPr>
-              <p:txBody>
-                <a:bodyPr vert="horz" lIns="91440" tIns="45720" rIns="91440" bIns="45720" rtlCol="0" anchor="b">
-                  <a:noAutofit/>
-                </a:bodyPr>
-                <a:lstStyle>
-                  <a:lvl1pPr algn="ctr" defTabSz="914400" rtl="0" eaLnBrk="1" latinLnBrk="0" hangingPunct="1">
-                    <a:lnSpc>
-                      <a:spcPct val="90000"/>
-                    </a:lnSpc>
-                    <a:spcBef>
-                      <a:spcPct val="0"/>
-                    </a:spcBef>
-                    <a:buNone/>
-                    <a:defRPr sz="6000" kern="1200">
-                      <a:solidFill>
-                        <a:schemeClr val="tx1"/>
-                      </a:solidFill>
-                      <a:latin typeface="+mj-lt"/>
-                      <a:ea typeface="+mj-ea"/>
-                      <a:cs typeface="+mj-cs"/>
-                    </a:defRPr>
-                  </a:lvl1pPr>
-                </a:lstStyle>
-                <a:p>
-                  <a:pPr algn="l"/>
-                  <a:r>
-                    <a:rPr lang="tr-TR" sz="2000" dirty="0" smtClean="0">
-                      <a:solidFill>
-                        <a:srgbClr val="CB171F"/>
-                      </a:solidFill>
-                      <a:latin typeface="Constantia" panose="02030602050306030303" pitchFamily="18" charset="0"/>
-                      <a:ea typeface="Verdana" panose="020B0604030504040204" pitchFamily="34" charset="0"/>
-                      <a:cs typeface="Arial" panose="020B0604020202020204" pitchFamily="34" charset="0"/>
-                    </a:rPr>
-                    <a:t>Veri Bilimi Okulu</a:t>
-                  </a:r>
-                  <a:endParaRPr lang="en-US" sz="2000" dirty="0">
-                    <a:solidFill>
-                      <a:srgbClr val="CB171F"/>
-                    </a:solidFill>
-                    <a:latin typeface="Constantia" panose="02030602050306030303" pitchFamily="18" charset="0"/>
-                    <a:ea typeface="Verdana" panose="020B0604030504040204" pitchFamily="34" charset="0"/>
-                    <a:cs typeface="Arial" panose="020B0604020202020204" pitchFamily="34" charset="0"/>
-                  </a:endParaRPr>
-                </a:p>
-              </p:txBody>
-            </p:sp>
-          </p:grpSp>
-        </p:grpSp>
-        <p:sp>
-          <p:nvSpPr>
-            <p:cNvPr id="12" name="Metin kutusu 11"/>
-            <p:cNvSpPr txBox="1"/>
-            <p:nvPr/>
-          </p:nvSpPr>
-          <p:spPr>
-            <a:xfrm>
-              <a:off x="1582782" y="6493211"/>
-              <a:ext cx="1687468" cy="230832"/>
-            </a:xfrm>
-            <a:prstGeom prst="rect">
-              <a:avLst/>
-            </a:prstGeom>
-            <a:noFill/>
-          </p:spPr>
-          <p:txBody>
-            <a:bodyPr wrap="square" rtlCol="0">
-              <a:spAutoFit/>
-            </a:bodyPr>
-            <a:lstStyle/>
-            <a:p>
-              <a:r>
-                <a:rPr lang="en-US" sz="900" dirty="0" smtClean="0">
-                  <a:solidFill>
-                    <a:srgbClr val="0B8043"/>
-                  </a:solidFill>
-                </a:rPr>
-                <a:t>https:</a:t>
-              </a:r>
-              <a:r>
-                <a:rPr lang="en-US" sz="900" dirty="0" smtClean="0">
-                  <a:solidFill>
-                    <a:schemeClr val="bg1">
-                      <a:lumMod val="50000"/>
-                    </a:schemeClr>
-                  </a:solidFill>
-                </a:rPr>
-                <a:t>//www.veribilimi.co</a:t>
-              </a:r>
-              <a:endParaRPr lang="en-US" sz="900" dirty="0">
-                <a:solidFill>
-                  <a:schemeClr val="bg1">
-                    <a:lumMod val="50000"/>
-                  </a:schemeClr>
-                </a:solidFill>
-              </a:endParaRPr>
-            </a:p>
-          </p:txBody>
-        </p:sp>
-      </p:grpSp>
-      <p:grpSp>
-        <p:nvGrpSpPr>
-          <p:cNvPr id="11" name="Grup 10"/>
-          <p:cNvGrpSpPr/>
-          <p:nvPr/>
-        </p:nvGrpSpPr>
-        <p:grpSpPr>
-          <a:xfrm>
-            <a:off x="9194796" y="6231467"/>
-            <a:ext cx="2802471" cy="457084"/>
-            <a:chOff x="184993" y="5905369"/>
-            <a:chExt cx="5156200" cy="838200"/>
-          </a:xfrm>
-        </p:grpSpPr>
-        <p:sp>
-          <p:nvSpPr>
-            <p:cNvPr id="13" name="Dikdörtgen 12"/>
-            <p:cNvSpPr/>
-            <p:nvPr/>
-          </p:nvSpPr>
-          <p:spPr>
-            <a:xfrm>
-              <a:off x="184993" y="5905369"/>
-              <a:ext cx="5156200" cy="838200"/>
-            </a:xfrm>
-            <a:prstGeom prst="rect">
-              <a:avLst/>
-            </a:prstGeom>
-            <a:solidFill>
-              <a:schemeClr val="bg1">
-                <a:lumMod val="95000"/>
-              </a:schemeClr>
-            </a:solidFill>
-            <a:ln>
-              <a:noFill/>
-            </a:ln>
-          </p:spPr>
-          <p:style>
-            <a:lnRef idx="2">
-              <a:schemeClr val="accent1">
-                <a:shade val="50000"/>
-              </a:schemeClr>
-            </a:lnRef>
-            <a:fillRef idx="1">
-              <a:schemeClr val="accent1"/>
-            </a:fillRef>
-            <a:effectRef idx="0">
-              <a:schemeClr val="accent1"/>
-            </a:effectRef>
-            <a:fontRef idx="minor">
-              <a:schemeClr val="lt1"/>
-            </a:fontRef>
-          </p:style>
-          <p:txBody>
-            <a:bodyPr rtlCol="0" anchor="ctr"/>
-            <a:lstStyle/>
-            <a:p>
-              <a:pPr algn="ctr"/>
-              <a:endParaRPr lang="en-US" sz="2000"/>
-            </a:p>
-          </p:txBody>
-        </p:sp>
-        <p:sp>
-          <p:nvSpPr>
-            <p:cNvPr id="14" name="Unvan 1"/>
-            <p:cNvSpPr txBox="1">
-              <a:spLocks/>
-            </p:cNvSpPr>
-            <p:nvPr/>
-          </p:nvSpPr>
-          <p:spPr>
-            <a:xfrm>
-              <a:off x="302252" y="6024023"/>
-              <a:ext cx="4921678" cy="600892"/>
-            </a:xfrm>
-            <a:prstGeom prst="rect">
-              <a:avLst/>
-            </a:prstGeom>
-          </p:spPr>
-          <p:txBody>
-            <a:bodyPr vert="horz" lIns="91440" tIns="45720" rIns="91440" bIns="45720" rtlCol="0" anchor="b">
-              <a:noAutofit/>
-            </a:bodyPr>
-            <a:lstStyle>
-              <a:lvl1pPr algn="ctr" defTabSz="914400" rtl="0" eaLnBrk="1" latinLnBrk="0" hangingPunct="1">
-                <a:lnSpc>
-                  <a:spcPct val="90000"/>
-                </a:lnSpc>
-                <a:spcBef>
-                  <a:spcPct val="0"/>
-                </a:spcBef>
-                <a:buNone/>
-                <a:defRPr sz="6000" kern="1200">
-                  <a:solidFill>
-                    <a:schemeClr val="tx1"/>
-                  </a:solidFill>
-                  <a:latin typeface="+mj-lt"/>
-                  <a:ea typeface="+mj-ea"/>
-                  <a:cs typeface="+mj-cs"/>
-                </a:defRPr>
-              </a:lvl1pPr>
-            </a:lstStyle>
-            <a:p>
-              <a:pPr algn="l"/>
-              <a:r>
-                <a:rPr lang="tr-TR" sz="2000" dirty="0">
-                  <a:solidFill>
-                    <a:srgbClr val="CB171F"/>
-                  </a:solidFill>
-                  <a:latin typeface="Constantia" panose="02030602050306030303" pitchFamily="18" charset="0"/>
-                  <a:ea typeface="Verdana" panose="020B0604030504040204" pitchFamily="34" charset="0"/>
-                  <a:cs typeface="Arial" panose="020B0604020202020204" pitchFamily="34" charset="0"/>
-                </a:rPr>
-                <a:t>A’dan Z’ye Büyük Veri</a:t>
-              </a:r>
-              <a:endParaRPr lang="en-US" sz="2000" dirty="0">
-                <a:solidFill>
-                  <a:srgbClr val="CB171F"/>
-                </a:solidFill>
-                <a:latin typeface="Constantia" panose="02030602050306030303" pitchFamily="18" charset="0"/>
-                <a:ea typeface="Verdana" panose="020B0604030504040204" pitchFamily="34" charset="0"/>
-                <a:cs typeface="Arial" panose="020B0604020202020204" pitchFamily="34" charset="0"/>
-              </a:endParaRPr>
-            </a:p>
-          </p:txBody>
-        </p:sp>
-      </p:grpSp>
       <p:sp>
         <p:nvSpPr>
           <p:cNvPr id="16" name="Unvan 1"/>
@@ -6960,7 +5266,7 @@
           <a:lstStyle/>
           <a:p>
             <a:r>
-              <a:rPr lang="tr-TR" sz="4200" b="1" dirty="0" smtClean="0">
+              <a:rPr lang="tr-TR" sz="4200" b="1" dirty="0">
                 <a:solidFill>
                   <a:srgbClr val="CD1F26"/>
                 </a:solidFill>
@@ -7010,7 +5316,7 @@
               <a:buChar char="ü"/>
             </a:pPr>
             <a:r>
-              <a:rPr lang="tr-TR" sz="2400" dirty="0" err="1" smtClean="0">
+              <a:rPr lang="tr-TR" sz="2400" dirty="0" err="1">
                 <a:solidFill>
                   <a:srgbClr val="404041"/>
                 </a:solidFill>
@@ -7019,7 +5325,7 @@
               <a:t>Dataframe</a:t>
             </a:r>
             <a:r>
-              <a:rPr lang="tr-TR" sz="2400" dirty="0" smtClean="0">
+              <a:rPr lang="tr-TR" sz="2400" dirty="0">
                 <a:solidFill>
                   <a:srgbClr val="404041"/>
                 </a:solidFill>
@@ -7037,7 +5343,7 @@
               <a:buChar char="ü"/>
             </a:pPr>
             <a:r>
-              <a:rPr lang="tr-TR" sz="2400" dirty="0" smtClean="0">
+              <a:rPr lang="tr-TR" sz="2400" dirty="0">
                 <a:solidFill>
                   <a:srgbClr val="404041"/>
                 </a:solidFill>
@@ -7055,7 +5361,7 @@
               <a:buChar char="ü"/>
             </a:pPr>
             <a:r>
-              <a:rPr lang="tr-TR" sz="2400" dirty="0" smtClean="0">
+              <a:rPr lang="tr-TR" sz="2400" dirty="0">
                 <a:solidFill>
                   <a:srgbClr val="404041"/>
                 </a:solidFill>
@@ -7073,7 +5379,7 @@
               <a:buChar char="ü"/>
             </a:pPr>
             <a:r>
-              <a:rPr lang="tr-TR" sz="2400" dirty="0" err="1" smtClean="0">
+              <a:rPr lang="tr-TR" sz="2400" dirty="0" err="1">
                 <a:solidFill>
                   <a:srgbClr val="404041"/>
                 </a:solidFill>
@@ -7081,7 +5387,7 @@
               </a:rPr>
               <a:t>Pipeline</a:t>
             </a:r>
-            <a:endParaRPr lang="tr-TR" sz="2400" dirty="0" smtClean="0">
+            <a:endParaRPr lang="tr-TR" sz="2400" dirty="0">
               <a:solidFill>
                 <a:srgbClr val="404041"/>
               </a:solidFill>
@@ -7097,7 +5403,7 @@
               <a:buChar char="ü"/>
             </a:pPr>
             <a:r>
-              <a:rPr lang="tr-TR" sz="2400" dirty="0" err="1" smtClean="0">
+              <a:rPr lang="tr-TR" sz="2400" dirty="0" err="1">
                 <a:solidFill>
                   <a:srgbClr val="404041"/>
                 </a:solidFill>
@@ -7106,7 +5412,7 @@
               <a:t>Scikit-learn</a:t>
             </a:r>
             <a:r>
-              <a:rPr lang="tr-TR" sz="2400" dirty="0" smtClean="0">
+              <a:rPr lang="tr-TR" sz="2400" dirty="0">
                 <a:solidFill>
                   <a:srgbClr val="404041"/>
                 </a:solidFill>
@@ -7114,12 +5420,6 @@
               </a:rPr>
               <a:t> örnek alınıyor</a:t>
             </a:r>
-            <a:endParaRPr lang="tr-TR" sz="2400" dirty="0" smtClean="0">
-              <a:solidFill>
-                <a:srgbClr val="404041"/>
-              </a:solidFill>
-              <a:latin typeface="Roboto"/>
-            </a:endParaRPr>
           </a:p>
         </p:txBody>
       </p:sp>
@@ -7145,7 +5445,7 @@
           <a:lstStyle/>
           <a:p>
             <a:r>
-              <a:rPr lang="tr-TR" sz="2400" dirty="0" err="1" smtClean="0">
+              <a:rPr lang="tr-TR" sz="2400" dirty="0" err="1">
                 <a:solidFill>
                   <a:srgbClr val="00B0F0"/>
                 </a:solidFill>
@@ -7154,7 +5454,7 @@
               <a:t>org.apache.spark.mllib</a:t>
             </a:r>
             <a:r>
-              <a:rPr lang="tr-TR" sz="2400" dirty="0" smtClean="0">
+              <a:rPr lang="tr-TR" sz="2400" dirty="0">
                 <a:solidFill>
                   <a:srgbClr val="00B0F0"/>
                 </a:solidFill>
@@ -7239,7 +5539,7 @@
               <a:buChar char="ü"/>
             </a:pPr>
             <a:r>
-              <a:rPr lang="tr-TR" sz="2400" dirty="0" smtClean="0">
+              <a:rPr lang="tr-TR" sz="2400" dirty="0">
                 <a:solidFill>
                   <a:srgbClr val="404041"/>
                 </a:solidFill>
@@ -7257,7 +5557,7 @@
               <a:buChar char="ü"/>
             </a:pPr>
             <a:r>
-              <a:rPr lang="tr-TR" sz="2400" dirty="0" smtClean="0">
+              <a:rPr lang="tr-TR" sz="2400" dirty="0">
                 <a:solidFill>
                   <a:srgbClr val="404041"/>
                 </a:solidFill>
@@ -7275,7 +5575,7 @@
               <a:buChar char="ü"/>
             </a:pPr>
             <a:r>
-              <a:rPr lang="tr-TR" sz="2400" dirty="0" smtClean="0">
+              <a:rPr lang="tr-TR" sz="2400" dirty="0">
                 <a:solidFill>
                   <a:srgbClr val="404041"/>
                 </a:solidFill>
@@ -7283,12 +5583,6 @@
               </a:rPr>
               <a:t>Sadece hatalarla ilgileniyor</a:t>
             </a:r>
-            <a:endParaRPr lang="tr-TR" sz="2400" dirty="0" smtClean="0">
-              <a:solidFill>
-                <a:srgbClr val="404041"/>
-              </a:solidFill>
-              <a:latin typeface="Roboto"/>
-            </a:endParaRPr>
           </a:p>
         </p:txBody>
       </p:sp>
@@ -7302,13 +5596,6 @@
   <p:clrMapOvr>
     <a:masterClrMapping/>
   </p:clrMapOvr>
-  <p:timing>
-    <p:tnLst>
-      <p:par>
-        <p:cTn id="1" dur="indefinite" restart="never" nodeType="tmRoot"/>
-      </p:par>
-    </p:tnLst>
-  </p:timing>
 </p:sld>
 </file>
 
@@ -7366,369 +5653,6 @@
           </a:fontRef>
         </p:style>
       </p:cxnSp>
-      <p:grpSp>
-        <p:nvGrpSpPr>
-          <p:cNvPr id="15" name="Grup 14"/>
-          <p:cNvGrpSpPr/>
-          <p:nvPr/>
-        </p:nvGrpSpPr>
-        <p:grpSpPr>
-          <a:xfrm>
-            <a:off x="228596" y="6231467"/>
-            <a:ext cx="3041654" cy="492576"/>
-            <a:chOff x="228596" y="6231467"/>
-            <a:chExt cx="3041654" cy="492576"/>
-          </a:xfrm>
-        </p:grpSpPr>
-        <p:grpSp>
-          <p:nvGrpSpPr>
-            <p:cNvPr id="8" name="Grup 7"/>
-            <p:cNvGrpSpPr/>
-            <p:nvPr/>
-          </p:nvGrpSpPr>
-          <p:grpSpPr>
-            <a:xfrm>
-              <a:off x="228596" y="6231467"/>
-              <a:ext cx="2802471" cy="457084"/>
-              <a:chOff x="127000" y="5901146"/>
-              <a:chExt cx="5156200" cy="838200"/>
-            </a:xfrm>
-          </p:grpSpPr>
-          <p:sp>
-            <p:nvSpPr>
-              <p:cNvPr id="7" name="Dikdörtgen 6"/>
-              <p:cNvSpPr/>
-              <p:nvPr/>
-            </p:nvSpPr>
-            <p:spPr>
-              <a:xfrm>
-                <a:off x="127000" y="5901146"/>
-                <a:ext cx="5156200" cy="838200"/>
-              </a:xfrm>
-              <a:prstGeom prst="rect">
-                <a:avLst/>
-              </a:prstGeom>
-              <a:solidFill>
-                <a:schemeClr val="bg1">
-                  <a:lumMod val="95000"/>
-                </a:schemeClr>
-              </a:solidFill>
-              <a:ln>
-                <a:noFill/>
-              </a:ln>
-            </p:spPr>
-            <p:style>
-              <a:lnRef idx="2">
-                <a:schemeClr val="accent1">
-                  <a:shade val="50000"/>
-                </a:schemeClr>
-              </a:lnRef>
-              <a:fillRef idx="1">
-                <a:schemeClr val="accent1"/>
-              </a:fillRef>
-              <a:effectRef idx="0">
-                <a:schemeClr val="accent1"/>
-              </a:effectRef>
-              <a:fontRef idx="minor">
-                <a:schemeClr val="lt1"/>
-              </a:fontRef>
-            </p:style>
-            <p:txBody>
-              <a:bodyPr rtlCol="0" anchor="ctr"/>
-              <a:lstStyle/>
-              <a:p>
-                <a:pPr algn="ctr"/>
-                <a:endParaRPr lang="en-US" sz="2000"/>
-              </a:p>
-            </p:txBody>
-          </p:sp>
-          <p:grpSp>
-            <p:nvGrpSpPr>
-              <p:cNvPr id="6" name="Grup 5"/>
-              <p:cNvGrpSpPr/>
-              <p:nvPr/>
-            </p:nvGrpSpPr>
-            <p:grpSpPr>
-              <a:xfrm>
-                <a:off x="211667" y="6019800"/>
-                <a:ext cx="5012266" cy="605115"/>
-                <a:chOff x="211667" y="6019800"/>
-                <a:chExt cx="5012266" cy="605115"/>
-              </a:xfrm>
-            </p:grpSpPr>
-            <p:pic>
-              <p:nvPicPr>
-                <p:cNvPr id="4" name="Resim 3"/>
-                <p:cNvPicPr>
-                  <a:picLocks noChangeAspect="1"/>
-                </p:cNvPicPr>
-                <p:nvPr/>
-              </p:nvPicPr>
-              <p:blipFill rotWithShape="1">
-                <a:blip r:embed="rId2" cstate="print">
-                  <a:extLst>
-                    <a:ext uri="{28A0092B-C50C-407E-A947-70E740481C1C}">
-                      <a14:useLocalDpi xmlns:a14="http://schemas.microsoft.com/office/drawing/2010/main" val="0"/>
-                    </a:ext>
-                  </a:extLst>
-                </a:blip>
-                <a:srcRect l="24387" t="8319" r="18355" b="50150"/>
-                <a:stretch/>
-              </p:blipFill>
-              <p:spPr>
-                <a:xfrm>
-                  <a:off x="211667" y="6019800"/>
-                  <a:ext cx="1072095" cy="600892"/>
-                </a:xfrm>
-                <a:prstGeom prst="rect">
-                  <a:avLst/>
-                </a:prstGeom>
-              </p:spPr>
-            </p:pic>
-            <p:sp>
-              <p:nvSpPr>
-                <p:cNvPr id="5" name="Unvan 1"/>
-                <p:cNvSpPr txBox="1">
-                  <a:spLocks/>
-                </p:cNvSpPr>
-                <p:nvPr/>
-              </p:nvSpPr>
-              <p:spPr>
-                <a:xfrm>
-                  <a:off x="1283763" y="6024023"/>
-                  <a:ext cx="3940170" cy="600892"/>
-                </a:xfrm>
-                <a:prstGeom prst="rect">
-                  <a:avLst/>
-                </a:prstGeom>
-              </p:spPr>
-              <p:txBody>
-                <a:bodyPr vert="horz" lIns="91440" tIns="45720" rIns="91440" bIns="45720" rtlCol="0" anchor="b">
-                  <a:noAutofit/>
-                </a:bodyPr>
-                <a:lstStyle>
-                  <a:lvl1pPr algn="ctr" defTabSz="914400" rtl="0" eaLnBrk="1" latinLnBrk="0" hangingPunct="1">
-                    <a:lnSpc>
-                      <a:spcPct val="90000"/>
-                    </a:lnSpc>
-                    <a:spcBef>
-                      <a:spcPct val="0"/>
-                    </a:spcBef>
-                    <a:buNone/>
-                    <a:defRPr sz="6000" kern="1200">
-                      <a:solidFill>
-                        <a:schemeClr val="tx1"/>
-                      </a:solidFill>
-                      <a:latin typeface="+mj-lt"/>
-                      <a:ea typeface="+mj-ea"/>
-                      <a:cs typeface="+mj-cs"/>
-                    </a:defRPr>
-                  </a:lvl1pPr>
-                </a:lstStyle>
-                <a:p>
-                  <a:pPr algn="l"/>
-                  <a:r>
-                    <a:rPr lang="tr-TR" sz="2000" dirty="0" smtClean="0">
-                      <a:solidFill>
-                        <a:srgbClr val="CB171F"/>
-                      </a:solidFill>
-                      <a:latin typeface="Constantia" panose="02030602050306030303" pitchFamily="18" charset="0"/>
-                      <a:ea typeface="Verdana" panose="020B0604030504040204" pitchFamily="34" charset="0"/>
-                      <a:cs typeface="Arial" panose="020B0604020202020204" pitchFamily="34" charset="0"/>
-                    </a:rPr>
-                    <a:t>Veri Bilimi Okulu</a:t>
-                  </a:r>
-                  <a:endParaRPr lang="en-US" sz="2000" dirty="0">
-                    <a:solidFill>
-                      <a:srgbClr val="CB171F"/>
-                    </a:solidFill>
-                    <a:latin typeface="Constantia" panose="02030602050306030303" pitchFamily="18" charset="0"/>
-                    <a:ea typeface="Verdana" panose="020B0604030504040204" pitchFamily="34" charset="0"/>
-                    <a:cs typeface="Arial" panose="020B0604020202020204" pitchFamily="34" charset="0"/>
-                  </a:endParaRPr>
-                </a:p>
-              </p:txBody>
-            </p:sp>
-          </p:grpSp>
-        </p:grpSp>
-        <p:sp>
-          <p:nvSpPr>
-            <p:cNvPr id="12" name="Metin kutusu 11"/>
-            <p:cNvSpPr txBox="1"/>
-            <p:nvPr/>
-          </p:nvSpPr>
-          <p:spPr>
-            <a:xfrm>
-              <a:off x="1582782" y="6493211"/>
-              <a:ext cx="1687468" cy="230832"/>
-            </a:xfrm>
-            <a:prstGeom prst="rect">
-              <a:avLst/>
-            </a:prstGeom>
-            <a:noFill/>
-          </p:spPr>
-          <p:txBody>
-            <a:bodyPr wrap="square" rtlCol="0">
-              <a:spAutoFit/>
-            </a:bodyPr>
-            <a:lstStyle/>
-            <a:p>
-              <a:r>
-                <a:rPr lang="en-US" sz="900" dirty="0" smtClean="0">
-                  <a:solidFill>
-                    <a:srgbClr val="0B8043"/>
-                  </a:solidFill>
-                </a:rPr>
-                <a:t>https:</a:t>
-              </a:r>
-              <a:r>
-                <a:rPr lang="en-US" sz="900" dirty="0" smtClean="0">
-                  <a:solidFill>
-                    <a:schemeClr val="bg1">
-                      <a:lumMod val="50000"/>
-                    </a:schemeClr>
-                  </a:solidFill>
-                </a:rPr>
-                <a:t>//www.veribilimi.co</a:t>
-              </a:r>
-              <a:endParaRPr lang="en-US" sz="900" dirty="0">
-                <a:solidFill>
-                  <a:schemeClr val="bg1">
-                    <a:lumMod val="50000"/>
-                  </a:schemeClr>
-                </a:solidFill>
-              </a:endParaRPr>
-            </a:p>
-          </p:txBody>
-        </p:sp>
-      </p:grpSp>
-      <p:grpSp>
-        <p:nvGrpSpPr>
-          <p:cNvPr id="11" name="Grup 10"/>
-          <p:cNvGrpSpPr/>
-          <p:nvPr/>
-        </p:nvGrpSpPr>
-        <p:grpSpPr>
-          <a:xfrm>
-            <a:off x="9194796" y="6231467"/>
-            <a:ext cx="2802471" cy="457084"/>
-            <a:chOff x="184993" y="5905369"/>
-            <a:chExt cx="5156200" cy="838200"/>
-          </a:xfrm>
-        </p:grpSpPr>
-        <p:sp>
-          <p:nvSpPr>
-            <p:cNvPr id="13" name="Dikdörtgen 12"/>
-            <p:cNvSpPr/>
-            <p:nvPr/>
-          </p:nvSpPr>
-          <p:spPr>
-            <a:xfrm>
-              <a:off x="184993" y="5905369"/>
-              <a:ext cx="5156200" cy="838200"/>
-            </a:xfrm>
-            <a:prstGeom prst="rect">
-              <a:avLst/>
-            </a:prstGeom>
-            <a:solidFill>
-              <a:schemeClr val="bg1">
-                <a:lumMod val="95000"/>
-              </a:schemeClr>
-            </a:solidFill>
-            <a:ln>
-              <a:noFill/>
-            </a:ln>
-          </p:spPr>
-          <p:style>
-            <a:lnRef idx="2">
-              <a:schemeClr val="accent1">
-                <a:shade val="50000"/>
-              </a:schemeClr>
-            </a:lnRef>
-            <a:fillRef idx="1">
-              <a:schemeClr val="accent1"/>
-            </a:fillRef>
-            <a:effectRef idx="0">
-              <a:schemeClr val="accent1"/>
-            </a:effectRef>
-            <a:fontRef idx="minor">
-              <a:schemeClr val="lt1"/>
-            </a:fontRef>
-          </p:style>
-          <p:txBody>
-            <a:bodyPr rtlCol="0" anchor="ctr"/>
-            <a:lstStyle/>
-            <a:p>
-              <a:pPr algn="ctr"/>
-              <a:endParaRPr lang="en-US" sz="2000"/>
-            </a:p>
-          </p:txBody>
-        </p:sp>
-        <p:sp>
-          <p:nvSpPr>
-            <p:cNvPr id="14" name="Unvan 1"/>
-            <p:cNvSpPr txBox="1">
-              <a:spLocks/>
-            </p:cNvSpPr>
-            <p:nvPr/>
-          </p:nvSpPr>
-          <p:spPr>
-            <a:xfrm>
-              <a:off x="302252" y="6024023"/>
-              <a:ext cx="4921678" cy="600892"/>
-            </a:xfrm>
-            <a:prstGeom prst="rect">
-              <a:avLst/>
-            </a:prstGeom>
-          </p:spPr>
-          <p:txBody>
-            <a:bodyPr vert="horz" lIns="91440" tIns="45720" rIns="91440" bIns="45720" rtlCol="0" anchor="b">
-              <a:noAutofit/>
-            </a:bodyPr>
-            <a:lstStyle>
-              <a:lvl1pPr algn="ctr" defTabSz="914400" rtl="0" eaLnBrk="1" latinLnBrk="0" hangingPunct="1">
-                <a:lnSpc>
-                  <a:spcPct val="90000"/>
-                </a:lnSpc>
-                <a:spcBef>
-                  <a:spcPct val="0"/>
-                </a:spcBef>
-                <a:buNone/>
-                <a:defRPr sz="6000" kern="1200">
-                  <a:solidFill>
-                    <a:schemeClr val="tx1"/>
-                  </a:solidFill>
-                  <a:latin typeface="+mj-lt"/>
-                  <a:ea typeface="+mj-ea"/>
-                  <a:cs typeface="+mj-cs"/>
-                </a:defRPr>
-              </a:lvl1pPr>
-            </a:lstStyle>
-            <a:p>
-              <a:pPr algn="l"/>
-              <a:r>
-                <a:rPr lang="tr-TR" sz="2000" dirty="0">
-                  <a:solidFill>
-                    <a:srgbClr val="CB171F"/>
-                  </a:solidFill>
-                  <a:latin typeface="Constantia" panose="02030602050306030303" pitchFamily="18" charset="0"/>
-                  <a:ea typeface="Verdana" panose="020B0604030504040204" pitchFamily="34" charset="0"/>
-                  <a:cs typeface="Arial" panose="020B0604020202020204" pitchFamily="34" charset="0"/>
-                </a:rPr>
-                <a:t>A’dan Z’ye Büyük Veri</a:t>
-              </a:r>
-              <a:endParaRPr lang="en-US" sz="2000" dirty="0">
-                <a:solidFill>
-                  <a:srgbClr val="CB171F"/>
-                </a:solidFill>
-                <a:latin typeface="Constantia" panose="02030602050306030303" pitchFamily="18" charset="0"/>
-                <a:ea typeface="Verdana" panose="020B0604030504040204" pitchFamily="34" charset="0"/>
-                <a:cs typeface="Arial" panose="020B0604020202020204" pitchFamily="34" charset="0"/>
-              </a:endParaRPr>
-            </a:p>
-          </p:txBody>
-        </p:sp>
-      </p:grpSp>
       <p:sp>
         <p:nvSpPr>
           <p:cNvPr id="16" name="Unvan 1"/>
@@ -7752,7 +5676,7 @@
           <a:lstStyle/>
           <a:p>
             <a:r>
-              <a:rPr lang="tr-TR" sz="4200" b="1" dirty="0" err="1" smtClean="0">
+              <a:rPr lang="tr-TR" sz="4200" b="1" dirty="0" err="1">
                 <a:solidFill>
                   <a:srgbClr val="CD1F26"/>
                 </a:solidFill>
@@ -7763,7 +5687,7 @@
               <a:t>MLlib</a:t>
             </a:r>
             <a:r>
-              <a:rPr lang="tr-TR" sz="4200" b="1" dirty="0" smtClean="0">
+              <a:rPr lang="tr-TR" sz="4200" b="1" dirty="0">
                 <a:solidFill>
                   <a:srgbClr val="CD1F26"/>
                 </a:solidFill>
@@ -7933,13 +5857,6 @@
   <p:clrMapOvr>
     <a:masterClrMapping/>
   </p:clrMapOvr>
-  <p:timing>
-    <p:tnLst>
-      <p:par>
-        <p:cTn id="1" dur="indefinite" restart="never" nodeType="tmRoot"/>
-      </p:par>
-    </p:tnLst>
-  </p:timing>
 </p:sld>
 </file>
 
